--- a/资料/课题汇报（2019.3.15）-王建坤.pptx
+++ b/资料/课题汇报（2019.3.15）-王建坤.pptx
@@ -5,7 +5,7 @@
     <p:sldMasterId id="2147483648" r:id="rId1"/>
   </p:sldMasterIdLst>
   <p:notesMasterIdLst>
-    <p:notesMasterId r:id="rId31"/>
+    <p:notesMasterId r:id="rId33"/>
   </p:notesMasterIdLst>
   <p:sldIdLst>
     <p:sldId id="284" r:id="rId2"/>
@@ -15,28 +15,30 @@
     <p:sldId id="286" r:id="rId6"/>
     <p:sldId id="316" r:id="rId7"/>
     <p:sldId id="315" r:id="rId8"/>
-    <p:sldId id="311" r:id="rId9"/>
-    <p:sldId id="312" r:id="rId10"/>
-    <p:sldId id="289" r:id="rId11"/>
-    <p:sldId id="313" r:id="rId12"/>
-    <p:sldId id="296" r:id="rId13"/>
-    <p:sldId id="297" r:id="rId14"/>
-    <p:sldId id="298" r:id="rId15"/>
-    <p:sldId id="299" r:id="rId16"/>
-    <p:sldId id="302" r:id="rId17"/>
-    <p:sldId id="300" r:id="rId18"/>
-    <p:sldId id="301" r:id="rId19"/>
-    <p:sldId id="303" r:id="rId20"/>
-    <p:sldId id="304" r:id="rId21"/>
-    <p:sldId id="305" r:id="rId22"/>
-    <p:sldId id="306" r:id="rId23"/>
-    <p:sldId id="309" r:id="rId24"/>
-    <p:sldId id="317" r:id="rId25"/>
-    <p:sldId id="307" r:id="rId26"/>
-    <p:sldId id="308" r:id="rId27"/>
-    <p:sldId id="290" r:id="rId28"/>
-    <p:sldId id="295" r:id="rId29"/>
-    <p:sldId id="310" r:id="rId30"/>
+    <p:sldId id="319" r:id="rId9"/>
+    <p:sldId id="311" r:id="rId10"/>
+    <p:sldId id="312" r:id="rId11"/>
+    <p:sldId id="289" r:id="rId12"/>
+    <p:sldId id="313" r:id="rId13"/>
+    <p:sldId id="296" r:id="rId14"/>
+    <p:sldId id="297" r:id="rId15"/>
+    <p:sldId id="298" r:id="rId16"/>
+    <p:sldId id="299" r:id="rId17"/>
+    <p:sldId id="302" r:id="rId18"/>
+    <p:sldId id="300" r:id="rId19"/>
+    <p:sldId id="301" r:id="rId20"/>
+    <p:sldId id="303" r:id="rId21"/>
+    <p:sldId id="304" r:id="rId22"/>
+    <p:sldId id="305" r:id="rId23"/>
+    <p:sldId id="306" r:id="rId24"/>
+    <p:sldId id="309" r:id="rId25"/>
+    <p:sldId id="317" r:id="rId26"/>
+    <p:sldId id="307" r:id="rId27"/>
+    <p:sldId id="308" r:id="rId28"/>
+    <p:sldId id="290" r:id="rId29"/>
+    <p:sldId id="318" r:id="rId30"/>
+    <p:sldId id="295" r:id="rId31"/>
+    <p:sldId id="310" r:id="rId32"/>
   </p:sldIdLst>
   <p:sldSz cx="9144000" cy="6858000" type="screen4x3"/>
   <p:notesSz cx="6858000" cy="9144000"/>
@@ -228,7 +230,7 @@
           <a:p>
             <a:fld id="{A4993278-BEDC-410D-8D8A-17342E535FDF}" type="datetimeFigureOut">
               <a:rPr lang="zh-CN" altLang="en-US" smtClean="0"/>
-              <a:t>2019/3/14</a:t>
+              <a:t>2019/3/22</a:t>
             </a:fld>
             <a:endParaRPr lang="zh-CN" altLang="en-US"/>
           </a:p>
@@ -530,7 +532,7 @@
           <a:p>
             <a:fld id="{43A07DD8-6722-4182-892A-E3676524296F}" type="datetimeFigureOut">
               <a:rPr lang="zh-CN" altLang="en-US" smtClean="0"/>
-              <a:t>2019/3/14</a:t>
+              <a:t>2019/3/22</a:t>
             </a:fld>
             <a:endParaRPr lang="zh-CN" altLang="en-US"/>
           </a:p>
@@ -1921,7 +1923,7 @@
           <a:p>
             <a:fld id="{43A07DD8-6722-4182-892A-E3676524296F}" type="datetimeFigureOut">
               <a:rPr lang="zh-CN" altLang="en-US" smtClean="0"/>
-              <a:t>2019/3/14</a:t>
+              <a:t>2019/3/22</a:t>
             </a:fld>
             <a:endParaRPr lang="zh-CN" altLang="en-US"/>
           </a:p>
@@ -2899,7 +2901,7 @@
           <a:p>
             <a:fld id="{43A07DD8-6722-4182-892A-E3676524296F}" type="datetimeFigureOut">
               <a:rPr lang="zh-CN" altLang="en-US" smtClean="0"/>
-              <a:t>2019/3/14</a:t>
+              <a:t>2019/3/22</a:t>
             </a:fld>
             <a:endParaRPr lang="zh-CN" altLang="en-US"/>
           </a:p>
@@ -3404,7 +3406,7 @@
           <a:p>
             <a:fld id="{43A07DD8-6722-4182-892A-E3676524296F}" type="datetimeFigureOut">
               <a:rPr lang="zh-CN" altLang="en-US" smtClean="0"/>
-              <a:t>2019/3/14</a:t>
+              <a:t>2019/3/22</a:t>
             </a:fld>
             <a:endParaRPr lang="zh-CN" altLang="en-US"/>
           </a:p>
@@ -3544,7 +3546,7 @@
           <a:p>
             <a:fld id="{43A07DD8-6722-4182-892A-E3676524296F}" type="datetimeFigureOut">
               <a:rPr lang="zh-CN" altLang="en-US" smtClean="0"/>
-              <a:t>2019/3/14</a:t>
+              <a:t>2019/3/22</a:t>
             </a:fld>
             <a:endParaRPr lang="zh-CN" altLang="en-US"/>
           </a:p>
@@ -5061,7 +5063,7 @@
           <a:p>
             <a:fld id="{43A07DD8-6722-4182-892A-E3676524296F}" type="datetimeFigureOut">
               <a:rPr lang="zh-CN" altLang="en-US" smtClean="0"/>
-              <a:t>2019/3/14</a:t>
+              <a:t>2019/3/22</a:t>
             </a:fld>
             <a:endParaRPr lang="zh-CN" altLang="en-US"/>
           </a:p>
@@ -5611,45 +5613,86 @@
             <p:ph type="title"/>
           </p:nvPr>
         </p:nvSpPr>
-        <p:spPr/>
+        <p:spPr>
+          <a:xfrm>
+            <a:off x="639848" y="266474"/>
+            <a:ext cx="5805776" cy="536574"/>
+          </a:xfrm>
+        </p:spPr>
         <p:txBody>
           <a:bodyPr/>
           <a:lstStyle/>
           <a:p>
             <a:r>
-              <a:rPr lang="zh-CN" altLang="en-US" dirty="0"/>
-              <a:t>视觉检测算法</a:t>
-            </a:r>
+              <a:rPr lang="zh-CN" altLang="en-US" sz="3200" dirty="0" smtClean="0"/>
+              <a:t>视觉检测的硬件结构</a:t>
+            </a:r>
+            <a:endParaRPr lang="zh-CN" altLang="en-US" sz="3200" dirty="0"/>
           </a:p>
         </p:txBody>
       </p:sp>
-      <p:sp>
-        <p:nvSpPr>
-          <p:cNvPr id="3" name="文本占位符 2"/>
-          <p:cNvSpPr>
-            <a:spLocks noGrp="1"/>
-          </p:cNvSpPr>
-          <p:nvPr>
-            <p:ph type="body" sz="quarter" idx="13"/>
-          </p:nvPr>
-        </p:nvSpPr>
-        <p:spPr/>
-        <p:txBody>
-          <a:bodyPr/>
-          <a:lstStyle/>
-          <a:p>
-            <a:r>
-              <a:rPr lang="en-US" altLang="zh-CN" dirty="0"/>
-              <a:t>3</a:t>
-            </a:r>
-            <a:endParaRPr lang="zh-CN" altLang="en-US" dirty="0"/>
-          </a:p>
-        </p:txBody>
-      </p:sp>
+      <p:pic>
+        <p:nvPicPr>
+          <p:cNvPr id="4" name="图片 3"/>
+          <p:cNvPicPr>
+            <a:picLocks noChangeAspect="1"/>
+          </p:cNvPicPr>
+          <p:nvPr/>
+        </p:nvPicPr>
+        <p:blipFill rotWithShape="1">
+          <a:blip r:embed="rId2">
+            <a:extLst>
+              <a:ext uri="{28A0092B-C50C-407E-A947-70E740481C1C}">
+                <a14:useLocalDpi xmlns:a14="http://schemas.microsoft.com/office/drawing/2010/main" val="0"/>
+              </a:ext>
+            </a:extLst>
+          </a:blip>
+          <a:srcRect l="12692" r="21498"/>
+          <a:stretch/>
+        </p:blipFill>
+        <p:spPr>
+          <a:xfrm>
+            <a:off x="1228165" y="1326776"/>
+            <a:ext cx="2743200" cy="5226424"/>
+          </a:xfrm>
+          <a:prstGeom prst="rect">
+            <a:avLst/>
+          </a:prstGeom>
+        </p:spPr>
+      </p:pic>
+      <p:pic>
+        <p:nvPicPr>
+          <p:cNvPr id="5" name="图片 4"/>
+          <p:cNvPicPr>
+            <a:picLocks noChangeAspect="1"/>
+          </p:cNvPicPr>
+          <p:nvPr/>
+        </p:nvPicPr>
+        <p:blipFill rotWithShape="1">
+          <a:blip r:embed="rId3">
+            <a:extLst>
+              <a:ext uri="{28A0092B-C50C-407E-A947-70E740481C1C}">
+                <a14:useLocalDpi xmlns:a14="http://schemas.microsoft.com/office/drawing/2010/main" val="0"/>
+              </a:ext>
+            </a:extLst>
+          </a:blip>
+          <a:srcRect l="18253" t="1472" r="17450"/>
+          <a:stretch/>
+        </p:blipFill>
+        <p:spPr>
+          <a:xfrm>
+            <a:off x="5163671" y="1326776"/>
+            <a:ext cx="2384612" cy="5226424"/>
+          </a:xfrm>
+          <a:prstGeom prst="rect">
+            <a:avLst/>
+          </a:prstGeom>
+        </p:spPr>
+      </p:pic>
     </p:spTree>
     <p:extLst>
       <p:ext uri="{BB962C8B-B14F-4D97-AF65-F5344CB8AC3E}">
-        <p14:creationId xmlns:p14="http://schemas.microsoft.com/office/powerpoint/2010/main" val="1293998816"/>
+        <p14:creationId xmlns:p14="http://schemas.microsoft.com/office/powerpoint/2010/main" val="502781710"/>
       </p:ext>
     </p:extLst>
   </p:cSld>
@@ -5693,6 +5736,88 @@
             <p:ph type="title"/>
           </p:nvPr>
         </p:nvSpPr>
+        <p:spPr/>
+        <p:txBody>
+          <a:bodyPr/>
+          <a:lstStyle/>
+          <a:p>
+            <a:r>
+              <a:rPr lang="zh-CN" altLang="en-US" dirty="0"/>
+              <a:t>视觉检测算法</a:t>
+            </a:r>
+          </a:p>
+        </p:txBody>
+      </p:sp>
+      <p:sp>
+        <p:nvSpPr>
+          <p:cNvPr id="3" name="文本占位符 2"/>
+          <p:cNvSpPr>
+            <a:spLocks noGrp="1"/>
+          </p:cNvSpPr>
+          <p:nvPr>
+            <p:ph type="body" sz="quarter" idx="13"/>
+          </p:nvPr>
+        </p:nvSpPr>
+        <p:spPr/>
+        <p:txBody>
+          <a:bodyPr/>
+          <a:lstStyle/>
+          <a:p>
+            <a:r>
+              <a:rPr lang="en-US" altLang="zh-CN" dirty="0"/>
+              <a:t>3</a:t>
+            </a:r>
+            <a:endParaRPr lang="zh-CN" altLang="en-US" dirty="0"/>
+          </a:p>
+        </p:txBody>
+      </p:sp>
+    </p:spTree>
+    <p:extLst>
+      <p:ext uri="{BB962C8B-B14F-4D97-AF65-F5344CB8AC3E}">
+        <p14:creationId xmlns:p14="http://schemas.microsoft.com/office/powerpoint/2010/main" val="1293998816"/>
+      </p:ext>
+    </p:extLst>
+  </p:cSld>
+  <p:clrMapOvr>
+    <a:masterClrMapping/>
+  </p:clrMapOvr>
+  <p:timing>
+    <p:tnLst>
+      <p:par>
+        <p:cTn id="1" dur="indefinite" restart="never" nodeType="tmRoot"/>
+      </p:par>
+    </p:tnLst>
+  </p:timing>
+</p:sld>
+</file>
+
+<file path=ppt/slides/slide12.xml><?xml version="1.0" encoding="utf-8"?>
+<p:sld xmlns:a="http://schemas.openxmlformats.org/drawingml/2006/main" xmlns:r="http://schemas.openxmlformats.org/officeDocument/2006/relationships" xmlns:p="http://schemas.openxmlformats.org/presentationml/2006/main">
+  <p:cSld>
+    <p:spTree>
+      <p:nvGrpSpPr>
+        <p:cNvPr id="1" name=""/>
+        <p:cNvGrpSpPr/>
+        <p:nvPr/>
+      </p:nvGrpSpPr>
+      <p:grpSpPr>
+        <a:xfrm>
+          <a:off x="0" y="0"/>
+          <a:ext cx="0" cy="0"/>
+          <a:chOff x="0" y="0"/>
+          <a:chExt cx="0" cy="0"/>
+        </a:xfrm>
+      </p:grpSpPr>
+      <p:sp>
+        <p:nvSpPr>
+          <p:cNvPr id="2" name="标题 1"/>
+          <p:cNvSpPr>
+            <a:spLocks noGrp="1"/>
+          </p:cNvSpPr>
+          <p:nvPr>
+            <p:ph type="title"/>
+          </p:nvPr>
+        </p:nvSpPr>
         <p:spPr>
           <a:xfrm>
             <a:off x="639848" y="266474"/>
@@ -5762,7 +5887,7 @@
                 <a:latin typeface="+mn-ea"/>
                 <a:cs typeface="Times New Roman" panose="02020603050405020304" pitchFamily="18" charset="0"/>
               </a:rPr>
-              <a:t>棉芯缺失、金属板缺失、金属丝位置异常</a:t>
+              <a:t>棉芯缺失、金属片缺失、金属丝位置异常</a:t>
             </a:r>
             <a:endParaRPr lang="zh-CN" altLang="zh-CN" sz="2400" kern="100" dirty="0">
               <a:latin typeface="+mn-ea"/>
@@ -6033,7 +6158,7 @@
 </p:sld>
 </file>
 
-<file path=ppt/slides/slide12.xml><?xml version="1.0" encoding="utf-8"?>
+<file path=ppt/slides/slide13.xml><?xml version="1.0" encoding="utf-8"?>
 <p:sld xmlns:a="http://schemas.openxmlformats.org/drawingml/2006/main" xmlns:r="http://schemas.openxmlformats.org/officeDocument/2006/relationships" xmlns:p="http://schemas.openxmlformats.org/presentationml/2006/main">
   <p:cSld>
     <p:spTree>
@@ -6483,7 +6608,7 @@
                         </a:spcAft>
                       </a:pPr>
                       <a:r>
-                        <a:rPr lang="en-US" sz="2000" kern="100">
+                        <a:rPr lang="en-US" sz="2000" kern="100" dirty="0">
                           <a:effectLst/>
                           <a:latin typeface="Times New Roman" panose="02020603050405020304" pitchFamily="18" charset="0"/>
                           <a:ea typeface="宋体" panose="02010600030101010101" pitchFamily="2" charset="-122"/>
@@ -6491,7 +6616,7 @@
                         </a:rPr>
                         <a:t>234</a:t>
                       </a:r>
-                      <a:endParaRPr lang="zh-CN" sz="2000" kern="100">
+                      <a:endParaRPr lang="zh-CN" sz="2000" kern="100" dirty="0">
                         <a:effectLst/>
                         <a:latin typeface="Times New Roman" panose="02020603050405020304" pitchFamily="18" charset="0"/>
                         <a:ea typeface="宋体" panose="02010600030101010101" pitchFamily="2" charset="-122"/>
@@ -6540,7 +6665,7 @@
                         </a:spcAft>
                       </a:pPr>
                       <a:r>
-                        <a:rPr lang="en-US" sz="2000" kern="100">
+                        <a:rPr lang="en-US" sz="2000" kern="100" dirty="0">
                           <a:effectLst/>
                           <a:latin typeface="Times New Roman" panose="02020603050405020304" pitchFamily="18" charset="0"/>
                           <a:ea typeface="宋体" panose="02010600030101010101" pitchFamily="2" charset="-122"/>
@@ -6548,7 +6673,7 @@
                         </a:rPr>
                         <a:t>78</a:t>
                       </a:r>
-                      <a:endParaRPr lang="zh-CN" sz="2000" kern="100">
+                      <a:endParaRPr lang="zh-CN" sz="2000" kern="100" dirty="0">
                         <a:effectLst/>
                         <a:latin typeface="Times New Roman" panose="02020603050405020304" pitchFamily="18" charset="0"/>
                         <a:ea typeface="宋体" panose="02010600030101010101" pitchFamily="2" charset="-122"/>
@@ -6597,7 +6722,7 @@
                         </a:spcAft>
                       </a:pPr>
                       <a:r>
-                        <a:rPr lang="en-US" sz="2000" kern="100">
+                        <a:rPr lang="en-US" sz="2000" kern="100" dirty="0">
                           <a:effectLst/>
                           <a:latin typeface="Times New Roman" panose="02020603050405020304" pitchFamily="18" charset="0"/>
                           <a:ea typeface="宋体" panose="02010600030101010101" pitchFamily="2" charset="-122"/>
@@ -6605,7 +6730,7 @@
                         </a:rPr>
                         <a:t>22</a:t>
                       </a:r>
-                      <a:endParaRPr lang="zh-CN" sz="2000" kern="100">
+                      <a:endParaRPr lang="zh-CN" sz="2000" kern="100" dirty="0">
                         <a:effectLst/>
                         <a:latin typeface="Times New Roman" panose="02020603050405020304" pitchFamily="18" charset="0"/>
                         <a:ea typeface="宋体" panose="02010600030101010101" pitchFamily="2" charset="-122"/>
@@ -7181,7 +7306,7 @@
 </p:sld>
 </file>
 
-<file path=ppt/slides/slide13.xml><?xml version="1.0" encoding="utf-8"?>
+<file path=ppt/slides/slide14.xml><?xml version="1.0" encoding="utf-8"?>
 <p:sld xmlns:a="http://schemas.openxmlformats.org/drawingml/2006/main" xmlns:r="http://schemas.openxmlformats.org/officeDocument/2006/relationships" xmlns:p="http://schemas.openxmlformats.org/presentationml/2006/main">
   <p:cSld>
     <p:spTree>
@@ -7531,11 +7656,7 @@
             </a:pPr>
             <a:r>
               <a:rPr lang="zh-CN" altLang="en-US" sz="2200" dirty="0" smtClean="0"/>
-              <a:t>二值化：分割</a:t>
-            </a:r>
-            <a:r>
-              <a:rPr lang="zh-CN" altLang="en-US" sz="2200" dirty="0" smtClean="0"/>
-              <a:t>出夹具和装配件</a:t>
+              <a:t>二值化：分割出夹具和装配件</a:t>
             </a:r>
             <a:endParaRPr lang="en-US" altLang="zh-CN" sz="2200" dirty="0" smtClean="0"/>
           </a:p>
@@ -7617,7 +7738,7 @@
 </p:sld>
 </file>
 
-<file path=ppt/slides/slide14.xml><?xml version="1.0" encoding="utf-8"?>
+<file path=ppt/slides/slide15.xml><?xml version="1.0" encoding="utf-8"?>
 <p:sld xmlns:a="http://schemas.openxmlformats.org/drawingml/2006/main" xmlns:r="http://schemas.openxmlformats.org/officeDocument/2006/relationships" xmlns:p="http://schemas.openxmlformats.org/presentationml/2006/main">
   <p:cSld>
     <p:spTree>
@@ -8095,7 +8216,7 @@
 </p:sld>
 </file>
 
-<file path=ppt/slides/slide15.xml><?xml version="1.0" encoding="utf-8"?>
+<file path=ppt/slides/slide16.xml><?xml version="1.0" encoding="utf-8"?>
 <p:sld xmlns:a="http://schemas.openxmlformats.org/drawingml/2006/main" xmlns:r="http://schemas.openxmlformats.org/officeDocument/2006/relationships" xmlns:p="http://schemas.openxmlformats.org/presentationml/2006/main">
   <p:cSld>
     <p:spTree>
@@ -8491,7 +8612,7 @@
 </p:sld>
 </file>
 
-<file path=ppt/slides/slide16.xml><?xml version="1.0" encoding="utf-8"?>
+<file path=ppt/slides/slide17.xml><?xml version="1.0" encoding="utf-8"?>
 <p:sld xmlns:a="http://schemas.openxmlformats.org/drawingml/2006/main" xmlns:r="http://schemas.openxmlformats.org/officeDocument/2006/relationships" xmlns:p="http://schemas.openxmlformats.org/presentationml/2006/main">
   <p:cSld>
     <p:spTree>
@@ -8748,14 +8869,7 @@
                 <a:latin typeface="Times New Roman" panose="02020603050405020304" pitchFamily="18" charset="0"/>
                 <a:cs typeface="Times New Roman" panose="02020603050405020304" pitchFamily="18" charset="0"/>
               </a:rPr>
-              <a:t>棉</a:t>
-            </a:r>
-            <a:r>
-              <a:rPr lang="zh-CN" altLang="zh-CN" sz="2200" dirty="0" smtClean="0">
-                <a:latin typeface="Times New Roman" panose="02020603050405020304" pitchFamily="18" charset="0"/>
-                <a:cs typeface="Times New Roman" panose="02020603050405020304" pitchFamily="18" charset="0"/>
-              </a:rPr>
-              <a:t>芯</a:t>
+              <a:t>棉芯</a:t>
             </a:r>
             <a:r>
               <a:rPr lang="zh-CN" altLang="en-US" sz="2200" dirty="0" smtClean="0">
@@ -9008,7 +9122,7 @@
 </p:sld>
 </file>
 
-<file path=ppt/slides/slide17.xml><?xml version="1.0" encoding="utf-8"?>
+<file path=ppt/slides/slide18.xml><?xml version="1.0" encoding="utf-8"?>
 <p:sld xmlns:a="http://schemas.openxmlformats.org/drawingml/2006/main" xmlns:r="http://schemas.openxmlformats.org/officeDocument/2006/relationships" xmlns:p="http://schemas.openxmlformats.org/presentationml/2006/main">
   <p:cSld>
     <p:spTree>
@@ -9282,14 +9396,7 @@
                 <a:latin typeface="Times New Roman" panose="02020603050405020304" pitchFamily="18" charset="0"/>
                 <a:cs typeface="Times New Roman" panose="02020603050405020304" pitchFamily="18" charset="0"/>
               </a:rPr>
-              <a:t>检测</a:t>
-            </a:r>
-            <a:r>
-              <a:rPr lang="zh-CN" altLang="zh-CN" sz="2200" kern="100" dirty="0" smtClean="0">
-                <a:latin typeface="Times New Roman" panose="02020603050405020304" pitchFamily="18" charset="0"/>
-                <a:cs typeface="Times New Roman" panose="02020603050405020304" pitchFamily="18" charset="0"/>
-              </a:rPr>
-              <a:t>到</a:t>
+              <a:t>检测到</a:t>
             </a:r>
             <a:r>
               <a:rPr lang="zh-CN" altLang="en-US" sz="2200" kern="100" dirty="0" smtClean="0">
@@ -9618,7 +9725,7 @@
 </p:sld>
 </file>
 
-<file path=ppt/slides/slide18.xml><?xml version="1.0" encoding="utf-8"?>
+<file path=ppt/slides/slide19.xml><?xml version="1.0" encoding="utf-8"?>
 <p:sld xmlns:a="http://schemas.openxmlformats.org/drawingml/2006/main" xmlns:r="http://schemas.openxmlformats.org/officeDocument/2006/relationships" xmlns:p="http://schemas.openxmlformats.org/presentationml/2006/main">
   <p:cSld>
     <p:spTree>
@@ -9732,14 +9839,7 @@
                 <a:latin typeface="Times New Roman" panose="02020603050405020304" pitchFamily="18" charset="0"/>
                 <a:cs typeface="Times New Roman" panose="02020603050405020304" pitchFamily="18" charset="0"/>
               </a:rPr>
-              <a:t>    通过</a:t>
-            </a:r>
-            <a:r>
-              <a:rPr lang="zh-CN" altLang="en-US" sz="2200" dirty="0" smtClean="0">
-                <a:latin typeface="Times New Roman" panose="02020603050405020304" pitchFamily="18" charset="0"/>
-                <a:cs typeface="Times New Roman" panose="02020603050405020304" pitchFamily="18" charset="0"/>
-              </a:rPr>
-              <a:t>测量</a:t>
+              <a:t>    通过测量</a:t>
             </a:r>
             <a:r>
               <a:rPr lang="zh-CN" altLang="zh-CN" sz="2200" dirty="0" smtClean="0">
@@ -10039,464 +10139,6 @@
 </p:sld>
 </file>
 
-<file path=ppt/slides/slide19.xml><?xml version="1.0" encoding="utf-8"?>
-<p:sld xmlns:a="http://schemas.openxmlformats.org/drawingml/2006/main" xmlns:r="http://schemas.openxmlformats.org/officeDocument/2006/relationships" xmlns:p="http://schemas.openxmlformats.org/presentationml/2006/main">
-  <p:cSld>
-    <p:spTree>
-      <p:nvGrpSpPr>
-        <p:cNvPr id="1" name=""/>
-        <p:cNvGrpSpPr/>
-        <p:nvPr/>
-      </p:nvGrpSpPr>
-      <p:grpSpPr>
-        <a:xfrm>
-          <a:off x="0" y="0"/>
-          <a:ext cx="0" cy="0"/>
-          <a:chOff x="0" y="0"/>
-          <a:chExt cx="0" cy="0"/>
-        </a:xfrm>
-      </p:grpSpPr>
-      <p:sp>
-        <p:nvSpPr>
-          <p:cNvPr id="2" name="标题 1"/>
-          <p:cNvSpPr>
-            <a:spLocks noGrp="1"/>
-          </p:cNvSpPr>
-          <p:nvPr>
-            <p:ph type="title"/>
-          </p:nvPr>
-        </p:nvSpPr>
-        <p:spPr>
-          <a:xfrm>
-            <a:off x="639848" y="266474"/>
-            <a:ext cx="5476379" cy="536574"/>
-          </a:xfrm>
-        </p:spPr>
-        <p:txBody>
-          <a:bodyPr/>
-          <a:lstStyle/>
-          <a:p>
-            <a:r>
-              <a:rPr lang="zh-CN" altLang="en-US" sz="3200" kern="100" dirty="0">
-                <a:solidFill>
-                  <a:srgbClr val="231F20"/>
-                </a:solidFill>
-                <a:latin typeface="+mn-ea"/>
-                <a:cs typeface="Times New Roman" panose="02020603050405020304" pitchFamily="18" charset="0"/>
-              </a:rPr>
-              <a:t>传统</a:t>
-            </a:r>
-            <a:r>
-              <a:rPr lang="zh-CN" altLang="zh-CN" sz="3200" kern="100" dirty="0">
-                <a:solidFill>
-                  <a:srgbClr val="231F20"/>
-                </a:solidFill>
-                <a:latin typeface="+mn-ea"/>
-                <a:cs typeface="Times New Roman" panose="02020603050405020304" pitchFamily="18" charset="0"/>
-              </a:rPr>
-              <a:t>图像处理的检测算法</a:t>
-            </a:r>
-            <a:endParaRPr lang="zh-CN" altLang="en-US" sz="3200" dirty="0"/>
-          </a:p>
-        </p:txBody>
-      </p:sp>
-      <p:sp>
-        <p:nvSpPr>
-          <p:cNvPr id="3" name="矩形 2"/>
-          <p:cNvSpPr/>
-          <p:nvPr/>
-        </p:nvSpPr>
-        <p:spPr>
-          <a:xfrm>
-            <a:off x="639848" y="1039016"/>
-            <a:ext cx="7526999" cy="2462213"/>
-          </a:xfrm>
-          <a:prstGeom prst="rect">
-            <a:avLst/>
-          </a:prstGeom>
-        </p:spPr>
-        <p:txBody>
-          <a:bodyPr wrap="square">
-            <a:spAutoFit/>
-          </a:bodyPr>
-          <a:lstStyle/>
-          <a:p>
-            <a:r>
-              <a:rPr lang="zh-CN" altLang="en-US" sz="2200" b="1" dirty="0" smtClean="0">
-                <a:latin typeface="Times New Roman" panose="02020603050405020304" pitchFamily="18" charset="0"/>
-                <a:cs typeface="Times New Roman" panose="02020603050405020304" pitchFamily="18" charset="0"/>
-              </a:rPr>
-              <a:t>测距步骤：</a:t>
-            </a:r>
-            <a:endParaRPr lang="en-US" altLang="zh-CN" sz="2200" b="1" dirty="0" smtClean="0">
-              <a:latin typeface="Times New Roman" panose="02020603050405020304" pitchFamily="18" charset="0"/>
-              <a:cs typeface="Times New Roman" panose="02020603050405020304" pitchFamily="18" charset="0"/>
-            </a:endParaRPr>
-          </a:p>
-          <a:p>
-            <a:pPr marL="358775" indent="-358775">
-              <a:buAutoNum type="arabicPeriod"/>
-            </a:pPr>
-            <a:r>
-              <a:rPr lang="zh-CN" altLang="en-US" sz="2200" b="1" dirty="0" smtClean="0">
-                <a:latin typeface="Times New Roman" panose="02020603050405020304" pitchFamily="18" charset="0"/>
-                <a:cs typeface="Times New Roman" panose="02020603050405020304" pitchFamily="18" charset="0"/>
-              </a:rPr>
-              <a:t>统计</a:t>
-            </a:r>
-            <a:r>
-              <a:rPr lang="zh-CN" altLang="en-US" sz="2200" b="1" dirty="0">
-                <a:latin typeface="Times New Roman" panose="02020603050405020304" pitchFamily="18" charset="0"/>
-                <a:cs typeface="Times New Roman" panose="02020603050405020304" pitchFamily="18" charset="0"/>
-              </a:rPr>
-              <a:t>图像</a:t>
-            </a:r>
-            <a:r>
-              <a:rPr lang="zh-CN" altLang="en-US" sz="2200" b="1" dirty="0" smtClean="0">
-                <a:latin typeface="Times New Roman" panose="02020603050405020304" pitchFamily="18" charset="0"/>
-                <a:cs typeface="Times New Roman" panose="02020603050405020304" pitchFamily="18" charset="0"/>
-              </a:rPr>
-              <a:t>每</a:t>
-            </a:r>
-            <a:r>
-              <a:rPr lang="zh-CN" altLang="en-US" sz="2200" b="1" dirty="0">
-                <a:latin typeface="Times New Roman" panose="02020603050405020304" pitchFamily="18" charset="0"/>
-                <a:cs typeface="Times New Roman" panose="02020603050405020304" pitchFamily="18" charset="0"/>
-              </a:rPr>
-              <a:t>一列白点的</a:t>
-            </a:r>
-            <a:r>
-              <a:rPr lang="zh-CN" altLang="en-US" sz="2200" b="1" dirty="0" smtClean="0">
-                <a:latin typeface="Times New Roman" panose="02020603050405020304" pitchFamily="18" charset="0"/>
-                <a:cs typeface="Times New Roman" panose="02020603050405020304" pitchFamily="18" charset="0"/>
-              </a:rPr>
-              <a:t>数量</a:t>
-            </a:r>
-            <a:r>
-              <a:rPr lang="zh-CN" altLang="en-US" sz="2200" dirty="0" smtClean="0">
-                <a:latin typeface="Times New Roman" panose="02020603050405020304" pitchFamily="18" charset="0"/>
-                <a:cs typeface="Times New Roman" panose="02020603050405020304" pitchFamily="18" charset="0"/>
-              </a:rPr>
-              <a:t>。在</a:t>
-            </a:r>
-            <a:r>
-              <a:rPr lang="zh-CN" altLang="en-US" sz="2200" dirty="0">
-                <a:latin typeface="Times New Roman" panose="02020603050405020304" pitchFamily="18" charset="0"/>
-                <a:cs typeface="Times New Roman" panose="02020603050405020304" pitchFamily="18" charset="0"/>
-              </a:rPr>
-              <a:t>金属丝和极片卡爪竖直边处会有大量的白点，出现两个</a:t>
-            </a:r>
-            <a:r>
-              <a:rPr lang="zh-CN" altLang="en-US" sz="2200" dirty="0" smtClean="0">
-                <a:latin typeface="Times New Roman" panose="02020603050405020304" pitchFamily="18" charset="0"/>
-                <a:cs typeface="Times New Roman" panose="02020603050405020304" pitchFamily="18" charset="0"/>
-              </a:rPr>
-              <a:t>极大值。</a:t>
-            </a:r>
-            <a:endParaRPr lang="en-US" altLang="zh-CN" sz="2200" dirty="0" smtClean="0">
-              <a:latin typeface="Times New Roman" panose="02020603050405020304" pitchFamily="18" charset="0"/>
-              <a:cs typeface="Times New Roman" panose="02020603050405020304" pitchFamily="18" charset="0"/>
-            </a:endParaRPr>
-          </a:p>
-          <a:p>
-            <a:pPr marL="358775" indent="-358775">
-              <a:buAutoNum type="arabicPeriod"/>
-            </a:pPr>
-            <a:r>
-              <a:rPr lang="zh-CN" altLang="en-US" sz="2200" b="1" dirty="0" smtClean="0">
-                <a:latin typeface="Times New Roman" panose="02020603050405020304" pitchFamily="18" charset="0"/>
-                <a:cs typeface="Times New Roman" panose="02020603050405020304" pitchFamily="18" charset="0"/>
-              </a:rPr>
-              <a:t>数值过滤。</a:t>
-            </a:r>
-            <a:r>
-              <a:rPr lang="zh-CN" altLang="en-US" sz="2200" dirty="0">
-                <a:latin typeface="Times New Roman" panose="02020603050405020304" pitchFamily="18" charset="0"/>
-                <a:cs typeface="Times New Roman" panose="02020603050405020304" pitchFamily="18" charset="0"/>
-              </a:rPr>
-              <a:t>使小于某一个数值的</a:t>
-            </a:r>
-            <a:r>
-              <a:rPr lang="zh-CN" altLang="en-US" sz="2200" dirty="0" smtClean="0">
-                <a:latin typeface="Times New Roman" panose="02020603050405020304" pitchFamily="18" charset="0"/>
-                <a:cs typeface="Times New Roman" panose="02020603050405020304" pitchFamily="18" charset="0"/>
-              </a:rPr>
-              <a:t>数变为</a:t>
-            </a:r>
-            <a:r>
-              <a:rPr lang="en-US" altLang="zh-CN" sz="2200" dirty="0" smtClean="0">
-                <a:latin typeface="Times New Roman" panose="02020603050405020304" pitchFamily="18" charset="0"/>
-                <a:cs typeface="Times New Roman" panose="02020603050405020304" pitchFamily="18" charset="0"/>
-              </a:rPr>
-              <a:t>0</a:t>
-            </a:r>
-            <a:r>
-              <a:rPr lang="zh-CN" altLang="en-US" sz="2200" dirty="0" smtClean="0">
-                <a:latin typeface="Times New Roman" panose="02020603050405020304" pitchFamily="18" charset="0"/>
-                <a:cs typeface="Times New Roman" panose="02020603050405020304" pitchFamily="18" charset="0"/>
-              </a:rPr>
-              <a:t>，过滤非检测区域。</a:t>
-            </a:r>
-            <a:endParaRPr lang="en-US" altLang="zh-CN" sz="2200" dirty="0" smtClean="0">
-              <a:latin typeface="Times New Roman" panose="02020603050405020304" pitchFamily="18" charset="0"/>
-              <a:cs typeface="Times New Roman" panose="02020603050405020304" pitchFamily="18" charset="0"/>
-            </a:endParaRPr>
-          </a:p>
-          <a:p>
-            <a:pPr marL="358775" indent="-358775">
-              <a:buAutoNum type="arabicPeriod"/>
-            </a:pPr>
-            <a:r>
-              <a:rPr lang="zh-CN" altLang="en-US" sz="2200" b="1" dirty="0" smtClean="0">
-                <a:latin typeface="Times New Roman" panose="02020603050405020304" pitchFamily="18" charset="0"/>
-                <a:cs typeface="Times New Roman" panose="02020603050405020304" pitchFamily="18" charset="0"/>
-              </a:rPr>
-              <a:t>数值平滑。</a:t>
-            </a:r>
-            <a:r>
-              <a:rPr lang="zh-CN" altLang="en-US" sz="2200" dirty="0" smtClean="0">
-                <a:latin typeface="Times New Roman" panose="02020603050405020304" pitchFamily="18" charset="0"/>
-                <a:cs typeface="Times New Roman" panose="02020603050405020304" pitchFamily="18" charset="0"/>
-              </a:rPr>
-              <a:t>进行平滑处理，更容易找到极大值，两个极大值的距离就是</a:t>
-            </a:r>
-            <a:r>
-              <a:rPr lang="zh-CN" altLang="zh-CN" sz="2200" dirty="0">
-                <a:latin typeface="Times New Roman" panose="02020603050405020304" pitchFamily="18" charset="0"/>
-                <a:cs typeface="Times New Roman" panose="02020603050405020304" pitchFamily="18" charset="0"/>
-              </a:rPr>
-              <a:t>金属丝与</a:t>
-            </a:r>
-            <a:r>
-              <a:rPr lang="zh-CN" altLang="zh-CN" sz="2200" dirty="0" smtClean="0">
-                <a:latin typeface="Times New Roman" panose="02020603050405020304" pitchFamily="18" charset="0"/>
-                <a:cs typeface="Times New Roman" panose="02020603050405020304" pitchFamily="18" charset="0"/>
-              </a:rPr>
-              <a:t>金属卡爪的</a:t>
-            </a:r>
-            <a:r>
-              <a:rPr lang="zh-CN" altLang="zh-CN" sz="2200" dirty="0">
-                <a:latin typeface="Times New Roman" panose="02020603050405020304" pitchFamily="18" charset="0"/>
-                <a:cs typeface="Times New Roman" panose="02020603050405020304" pitchFamily="18" charset="0"/>
-              </a:rPr>
-              <a:t>距离</a:t>
-            </a:r>
-            <a:r>
-              <a:rPr lang="zh-CN" altLang="en-US" sz="2200" dirty="0" smtClean="0">
-                <a:latin typeface="Times New Roman" panose="02020603050405020304" pitchFamily="18" charset="0"/>
-                <a:cs typeface="Times New Roman" panose="02020603050405020304" pitchFamily="18" charset="0"/>
-              </a:rPr>
-              <a:t>。</a:t>
-            </a:r>
-            <a:endParaRPr lang="zh-CN" altLang="en-US" sz="2200" dirty="0">
-              <a:latin typeface="Times New Roman" panose="02020603050405020304" pitchFamily="18" charset="0"/>
-              <a:cs typeface="Times New Roman" panose="02020603050405020304" pitchFamily="18" charset="0"/>
-            </a:endParaRPr>
-          </a:p>
-        </p:txBody>
-      </p:sp>
-      <p:sp>
-        <p:nvSpPr>
-          <p:cNvPr id="7" name="文本框 6"/>
-          <p:cNvSpPr txBox="1"/>
-          <p:nvPr/>
-        </p:nvSpPr>
-        <p:spPr>
-          <a:xfrm>
-            <a:off x="1030708" y="5971759"/>
-            <a:ext cx="646331" cy="369332"/>
-          </a:xfrm>
-          <a:prstGeom prst="rect">
-            <a:avLst/>
-          </a:prstGeom>
-          <a:noFill/>
-        </p:spPr>
-        <p:txBody>
-          <a:bodyPr wrap="none" rtlCol="0">
-            <a:spAutoFit/>
-          </a:bodyPr>
-          <a:lstStyle/>
-          <a:p>
-            <a:r>
-              <a:rPr lang="zh-CN" altLang="zh-CN" dirty="0" smtClean="0"/>
-              <a:t>原始</a:t>
-            </a:r>
-            <a:endParaRPr lang="zh-CN" altLang="en-US" dirty="0"/>
-          </a:p>
-        </p:txBody>
-      </p:sp>
-      <p:sp>
-        <p:nvSpPr>
-          <p:cNvPr id="8" name="文本框 7"/>
-          <p:cNvSpPr txBox="1"/>
-          <p:nvPr/>
-        </p:nvSpPr>
-        <p:spPr>
-          <a:xfrm>
-            <a:off x="4016468" y="5967276"/>
-            <a:ext cx="646331" cy="369332"/>
-          </a:xfrm>
-          <a:prstGeom prst="rect">
-            <a:avLst/>
-          </a:prstGeom>
-          <a:noFill/>
-        </p:spPr>
-        <p:txBody>
-          <a:bodyPr wrap="none" rtlCol="0">
-            <a:spAutoFit/>
-          </a:bodyPr>
-          <a:lstStyle/>
-          <a:p>
-            <a:r>
-              <a:rPr lang="zh-CN" altLang="zh-CN" dirty="0" smtClean="0"/>
-              <a:t>过滤</a:t>
-            </a:r>
-            <a:endParaRPr lang="zh-CN" altLang="en-US" dirty="0"/>
-          </a:p>
-        </p:txBody>
-      </p:sp>
-      <p:pic>
-        <p:nvPicPr>
-          <p:cNvPr id="9" name="图片 8"/>
-          <p:cNvPicPr>
-            <a:picLocks noChangeAspect="1"/>
-          </p:cNvPicPr>
-          <p:nvPr/>
-        </p:nvPicPr>
-        <p:blipFill>
-          <a:blip r:embed="rId2" cstate="print">
-            <a:extLst>
-              <a:ext uri="{28A0092B-C50C-407E-A947-70E740481C1C}">
-                <a14:useLocalDpi xmlns:a14="http://schemas.microsoft.com/office/drawing/2010/main" val="0"/>
-              </a:ext>
-            </a:extLst>
-          </a:blip>
-          <a:stretch>
-            <a:fillRect/>
-          </a:stretch>
-        </p:blipFill>
-        <p:spPr>
-          <a:xfrm>
-            <a:off x="144706" y="3737197"/>
-            <a:ext cx="2880000" cy="2160000"/>
-          </a:xfrm>
-          <a:prstGeom prst="rect">
-            <a:avLst/>
-          </a:prstGeom>
-        </p:spPr>
-      </p:pic>
-      <p:pic>
-        <p:nvPicPr>
-          <p:cNvPr id="10" name="图片 9"/>
-          <p:cNvPicPr>
-            <a:picLocks noChangeAspect="1"/>
-          </p:cNvPicPr>
-          <p:nvPr/>
-        </p:nvPicPr>
-        <p:blipFill>
-          <a:blip r:embed="rId3" cstate="print">
-            <a:extLst>
-              <a:ext uri="{28A0092B-C50C-407E-A947-70E740481C1C}">
-                <a14:useLocalDpi xmlns:a14="http://schemas.microsoft.com/office/drawing/2010/main" val="0"/>
-              </a:ext>
-            </a:extLst>
-          </a:blip>
-          <a:stretch>
-            <a:fillRect/>
-          </a:stretch>
-        </p:blipFill>
-        <p:spPr>
-          <a:xfrm>
-            <a:off x="3130466" y="3737197"/>
-            <a:ext cx="2880000" cy="2160000"/>
-          </a:xfrm>
-          <a:prstGeom prst="rect">
-            <a:avLst/>
-          </a:prstGeom>
-        </p:spPr>
-      </p:pic>
-      <p:pic>
-        <p:nvPicPr>
-          <p:cNvPr id="11" name="图片 10"/>
-          <p:cNvPicPr>
-            <a:picLocks noChangeAspect="1"/>
-          </p:cNvPicPr>
-          <p:nvPr/>
-        </p:nvPicPr>
-        <p:blipFill>
-          <a:blip r:embed="rId4" cstate="print">
-            <a:extLst>
-              <a:ext uri="{28A0092B-C50C-407E-A947-70E740481C1C}">
-                <a14:useLocalDpi xmlns:a14="http://schemas.microsoft.com/office/drawing/2010/main" val="0"/>
-              </a:ext>
-            </a:extLst>
-          </a:blip>
-          <a:stretch>
-            <a:fillRect/>
-          </a:stretch>
-        </p:blipFill>
-        <p:spPr>
-          <a:xfrm>
-            <a:off x="6116227" y="3737197"/>
-            <a:ext cx="2880000" cy="2160000"/>
-          </a:xfrm>
-          <a:prstGeom prst="rect">
-            <a:avLst/>
-          </a:prstGeom>
-        </p:spPr>
-      </p:pic>
-      <p:sp>
-        <p:nvSpPr>
-          <p:cNvPr id="12" name="矩形 11"/>
-          <p:cNvSpPr/>
-          <p:nvPr/>
-        </p:nvSpPr>
-        <p:spPr>
-          <a:xfrm>
-            <a:off x="7002228" y="5966387"/>
-            <a:ext cx="646331" cy="369332"/>
-          </a:xfrm>
-          <a:prstGeom prst="rect">
-            <a:avLst/>
-          </a:prstGeom>
-        </p:spPr>
-        <p:txBody>
-          <a:bodyPr wrap="none">
-            <a:spAutoFit/>
-          </a:bodyPr>
-          <a:lstStyle/>
-          <a:p>
-            <a:r>
-              <a:rPr lang="zh-CN" altLang="zh-CN" dirty="0" smtClean="0">
-                <a:latin typeface="Times New Roman" panose="02020603050405020304" pitchFamily="18" charset="0"/>
-                <a:cs typeface="Times New Roman" panose="02020603050405020304" pitchFamily="18" charset="0"/>
-              </a:rPr>
-              <a:t>平滑</a:t>
-            </a:r>
-            <a:endParaRPr lang="zh-CN" altLang="en-US" dirty="0"/>
-          </a:p>
-        </p:txBody>
-      </p:sp>
-    </p:spTree>
-    <p:extLst>
-      <p:ext uri="{BB962C8B-B14F-4D97-AF65-F5344CB8AC3E}">
-        <p14:creationId xmlns:p14="http://schemas.microsoft.com/office/powerpoint/2010/main" val="2285690233"/>
-      </p:ext>
-    </p:extLst>
-  </p:cSld>
-  <p:clrMapOvr>
-    <a:masterClrMapping/>
-  </p:clrMapOvr>
-  <p:timing>
-    <p:tnLst>
-      <p:par>
-        <p:cTn id="1" dur="indefinite" restart="never" nodeType="tmRoot"/>
-      </p:par>
-    </p:tnLst>
-  </p:timing>
-</p:sld>
-</file>
-
 <file path=ppt/slides/slide2.xml><?xml version="1.0" encoding="utf-8"?>
 <p:sld xmlns:a="http://schemas.openxmlformats.org/drawingml/2006/main" xmlns:r="http://schemas.openxmlformats.org/officeDocument/2006/relationships" xmlns:p="http://schemas.openxmlformats.org/presentationml/2006/main">
   <p:cSld>
@@ -10754,12 +10396,28 @@
           <a:lstStyle/>
           <a:p>
             <a:r>
-              <a:rPr lang="zh-CN" altLang="en-US" sz="2400" b="1">
+              <a:rPr lang="zh-CN" altLang="en-US" sz="2400" b="1" dirty="0">
                 <a:solidFill>
                   <a:schemeClr val="tx1"/>
                 </a:solidFill>
               </a:rPr>
-              <a:t>视觉检测的硬件结构</a:t>
+              <a:t>视觉</a:t>
+            </a:r>
+            <a:r>
+              <a:rPr lang="zh-CN" altLang="en-US" sz="2400" b="1" dirty="0" smtClean="0">
+                <a:solidFill>
+                  <a:schemeClr val="tx1"/>
+                </a:solidFill>
+              </a:rPr>
+              <a:t>检测</a:t>
+            </a:r>
+            <a:r>
+              <a:rPr lang="zh-CN" altLang="en-US" sz="2400" b="1" dirty="0" smtClean="0">
+                <a:solidFill>
+                  <a:schemeClr val="tx1"/>
+                </a:solidFill>
+              </a:rPr>
+              <a:t>系统设计</a:t>
             </a:r>
             <a:endParaRPr lang="zh-CN" altLang="en-US" sz="2400" b="1" dirty="0">
               <a:solidFill>
@@ -11575,6 +11233,464 @@
         <p:spPr>
           <a:xfrm>
             <a:off x="639848" y="266474"/>
+            <a:ext cx="5476379" cy="536574"/>
+          </a:xfrm>
+        </p:spPr>
+        <p:txBody>
+          <a:bodyPr/>
+          <a:lstStyle/>
+          <a:p>
+            <a:r>
+              <a:rPr lang="zh-CN" altLang="en-US" sz="3200" kern="100" dirty="0">
+                <a:solidFill>
+                  <a:srgbClr val="231F20"/>
+                </a:solidFill>
+                <a:latin typeface="+mn-ea"/>
+                <a:cs typeface="Times New Roman" panose="02020603050405020304" pitchFamily="18" charset="0"/>
+              </a:rPr>
+              <a:t>传统</a:t>
+            </a:r>
+            <a:r>
+              <a:rPr lang="zh-CN" altLang="zh-CN" sz="3200" kern="100" dirty="0">
+                <a:solidFill>
+                  <a:srgbClr val="231F20"/>
+                </a:solidFill>
+                <a:latin typeface="+mn-ea"/>
+                <a:cs typeface="Times New Roman" panose="02020603050405020304" pitchFamily="18" charset="0"/>
+              </a:rPr>
+              <a:t>图像处理的检测算法</a:t>
+            </a:r>
+            <a:endParaRPr lang="zh-CN" altLang="en-US" sz="3200" dirty="0"/>
+          </a:p>
+        </p:txBody>
+      </p:sp>
+      <p:sp>
+        <p:nvSpPr>
+          <p:cNvPr id="3" name="矩形 2"/>
+          <p:cNvSpPr/>
+          <p:nvPr/>
+        </p:nvSpPr>
+        <p:spPr>
+          <a:xfrm>
+            <a:off x="639848" y="1039016"/>
+            <a:ext cx="7526999" cy="2462213"/>
+          </a:xfrm>
+          <a:prstGeom prst="rect">
+            <a:avLst/>
+          </a:prstGeom>
+        </p:spPr>
+        <p:txBody>
+          <a:bodyPr wrap="square">
+            <a:spAutoFit/>
+          </a:bodyPr>
+          <a:lstStyle/>
+          <a:p>
+            <a:r>
+              <a:rPr lang="zh-CN" altLang="en-US" sz="2200" b="1" dirty="0" smtClean="0">
+                <a:latin typeface="Times New Roman" panose="02020603050405020304" pitchFamily="18" charset="0"/>
+                <a:cs typeface="Times New Roman" panose="02020603050405020304" pitchFamily="18" charset="0"/>
+              </a:rPr>
+              <a:t>测距步骤：</a:t>
+            </a:r>
+            <a:endParaRPr lang="en-US" altLang="zh-CN" sz="2200" b="1" dirty="0" smtClean="0">
+              <a:latin typeface="Times New Roman" panose="02020603050405020304" pitchFamily="18" charset="0"/>
+              <a:cs typeface="Times New Roman" panose="02020603050405020304" pitchFamily="18" charset="0"/>
+            </a:endParaRPr>
+          </a:p>
+          <a:p>
+            <a:pPr marL="358775" indent="-358775">
+              <a:buAutoNum type="arabicPeriod"/>
+            </a:pPr>
+            <a:r>
+              <a:rPr lang="zh-CN" altLang="en-US" sz="2200" b="1" dirty="0" smtClean="0">
+                <a:latin typeface="Times New Roman" panose="02020603050405020304" pitchFamily="18" charset="0"/>
+                <a:cs typeface="Times New Roman" panose="02020603050405020304" pitchFamily="18" charset="0"/>
+              </a:rPr>
+              <a:t>统计</a:t>
+            </a:r>
+            <a:r>
+              <a:rPr lang="zh-CN" altLang="en-US" sz="2200" b="1" dirty="0">
+                <a:latin typeface="Times New Roman" panose="02020603050405020304" pitchFamily="18" charset="0"/>
+                <a:cs typeface="Times New Roman" panose="02020603050405020304" pitchFamily="18" charset="0"/>
+              </a:rPr>
+              <a:t>图像</a:t>
+            </a:r>
+            <a:r>
+              <a:rPr lang="zh-CN" altLang="en-US" sz="2200" b="1" dirty="0" smtClean="0">
+                <a:latin typeface="Times New Roman" panose="02020603050405020304" pitchFamily="18" charset="0"/>
+                <a:cs typeface="Times New Roman" panose="02020603050405020304" pitchFamily="18" charset="0"/>
+              </a:rPr>
+              <a:t>每</a:t>
+            </a:r>
+            <a:r>
+              <a:rPr lang="zh-CN" altLang="en-US" sz="2200" b="1" dirty="0">
+                <a:latin typeface="Times New Roman" panose="02020603050405020304" pitchFamily="18" charset="0"/>
+                <a:cs typeface="Times New Roman" panose="02020603050405020304" pitchFamily="18" charset="0"/>
+              </a:rPr>
+              <a:t>一列白点的</a:t>
+            </a:r>
+            <a:r>
+              <a:rPr lang="zh-CN" altLang="en-US" sz="2200" b="1" dirty="0" smtClean="0">
+                <a:latin typeface="Times New Roman" panose="02020603050405020304" pitchFamily="18" charset="0"/>
+                <a:cs typeface="Times New Roman" panose="02020603050405020304" pitchFamily="18" charset="0"/>
+              </a:rPr>
+              <a:t>数量</a:t>
+            </a:r>
+            <a:r>
+              <a:rPr lang="zh-CN" altLang="en-US" sz="2200" dirty="0" smtClean="0">
+                <a:latin typeface="Times New Roman" panose="02020603050405020304" pitchFamily="18" charset="0"/>
+                <a:cs typeface="Times New Roman" panose="02020603050405020304" pitchFamily="18" charset="0"/>
+              </a:rPr>
+              <a:t>。在</a:t>
+            </a:r>
+            <a:r>
+              <a:rPr lang="zh-CN" altLang="en-US" sz="2200" dirty="0">
+                <a:latin typeface="Times New Roman" panose="02020603050405020304" pitchFamily="18" charset="0"/>
+                <a:cs typeface="Times New Roman" panose="02020603050405020304" pitchFamily="18" charset="0"/>
+              </a:rPr>
+              <a:t>金属丝和极片卡爪竖直边处会有大量的白点，出现两个</a:t>
+            </a:r>
+            <a:r>
+              <a:rPr lang="zh-CN" altLang="en-US" sz="2200" dirty="0" smtClean="0">
+                <a:latin typeface="Times New Roman" panose="02020603050405020304" pitchFamily="18" charset="0"/>
+                <a:cs typeface="Times New Roman" panose="02020603050405020304" pitchFamily="18" charset="0"/>
+              </a:rPr>
+              <a:t>极大值。</a:t>
+            </a:r>
+            <a:endParaRPr lang="en-US" altLang="zh-CN" sz="2200" dirty="0" smtClean="0">
+              <a:latin typeface="Times New Roman" panose="02020603050405020304" pitchFamily="18" charset="0"/>
+              <a:cs typeface="Times New Roman" panose="02020603050405020304" pitchFamily="18" charset="0"/>
+            </a:endParaRPr>
+          </a:p>
+          <a:p>
+            <a:pPr marL="358775" indent="-358775">
+              <a:buAutoNum type="arabicPeriod"/>
+            </a:pPr>
+            <a:r>
+              <a:rPr lang="zh-CN" altLang="en-US" sz="2200" b="1" dirty="0" smtClean="0">
+                <a:latin typeface="Times New Roman" panose="02020603050405020304" pitchFamily="18" charset="0"/>
+                <a:cs typeface="Times New Roman" panose="02020603050405020304" pitchFamily="18" charset="0"/>
+              </a:rPr>
+              <a:t>数值过滤。</a:t>
+            </a:r>
+            <a:r>
+              <a:rPr lang="zh-CN" altLang="en-US" sz="2200" dirty="0">
+                <a:latin typeface="Times New Roman" panose="02020603050405020304" pitchFamily="18" charset="0"/>
+                <a:cs typeface="Times New Roman" panose="02020603050405020304" pitchFamily="18" charset="0"/>
+              </a:rPr>
+              <a:t>使小于某一个数值的</a:t>
+            </a:r>
+            <a:r>
+              <a:rPr lang="zh-CN" altLang="en-US" sz="2200" dirty="0" smtClean="0">
+                <a:latin typeface="Times New Roman" panose="02020603050405020304" pitchFamily="18" charset="0"/>
+                <a:cs typeface="Times New Roman" panose="02020603050405020304" pitchFamily="18" charset="0"/>
+              </a:rPr>
+              <a:t>数变为</a:t>
+            </a:r>
+            <a:r>
+              <a:rPr lang="en-US" altLang="zh-CN" sz="2200" dirty="0" smtClean="0">
+                <a:latin typeface="Times New Roman" panose="02020603050405020304" pitchFamily="18" charset="0"/>
+                <a:cs typeface="Times New Roman" panose="02020603050405020304" pitchFamily="18" charset="0"/>
+              </a:rPr>
+              <a:t>0</a:t>
+            </a:r>
+            <a:r>
+              <a:rPr lang="zh-CN" altLang="en-US" sz="2200" dirty="0" smtClean="0">
+                <a:latin typeface="Times New Roman" panose="02020603050405020304" pitchFamily="18" charset="0"/>
+                <a:cs typeface="Times New Roman" panose="02020603050405020304" pitchFamily="18" charset="0"/>
+              </a:rPr>
+              <a:t>，过滤非检测区域。</a:t>
+            </a:r>
+            <a:endParaRPr lang="en-US" altLang="zh-CN" sz="2200" dirty="0" smtClean="0">
+              <a:latin typeface="Times New Roman" panose="02020603050405020304" pitchFamily="18" charset="0"/>
+              <a:cs typeface="Times New Roman" panose="02020603050405020304" pitchFamily="18" charset="0"/>
+            </a:endParaRPr>
+          </a:p>
+          <a:p>
+            <a:pPr marL="358775" indent="-358775">
+              <a:buAutoNum type="arabicPeriod"/>
+            </a:pPr>
+            <a:r>
+              <a:rPr lang="zh-CN" altLang="en-US" sz="2200" b="1" dirty="0" smtClean="0">
+                <a:latin typeface="Times New Roman" panose="02020603050405020304" pitchFamily="18" charset="0"/>
+                <a:cs typeface="Times New Roman" panose="02020603050405020304" pitchFamily="18" charset="0"/>
+              </a:rPr>
+              <a:t>数值平滑。</a:t>
+            </a:r>
+            <a:r>
+              <a:rPr lang="zh-CN" altLang="en-US" sz="2200" dirty="0" smtClean="0">
+                <a:latin typeface="Times New Roman" panose="02020603050405020304" pitchFamily="18" charset="0"/>
+                <a:cs typeface="Times New Roman" panose="02020603050405020304" pitchFamily="18" charset="0"/>
+              </a:rPr>
+              <a:t>进行平滑处理，更容易找到极大值，两个极大值的距离就是</a:t>
+            </a:r>
+            <a:r>
+              <a:rPr lang="zh-CN" altLang="zh-CN" sz="2200" dirty="0">
+                <a:latin typeface="Times New Roman" panose="02020603050405020304" pitchFamily="18" charset="0"/>
+                <a:cs typeface="Times New Roman" panose="02020603050405020304" pitchFamily="18" charset="0"/>
+              </a:rPr>
+              <a:t>金属丝与</a:t>
+            </a:r>
+            <a:r>
+              <a:rPr lang="zh-CN" altLang="zh-CN" sz="2200" dirty="0" smtClean="0">
+                <a:latin typeface="Times New Roman" panose="02020603050405020304" pitchFamily="18" charset="0"/>
+                <a:cs typeface="Times New Roman" panose="02020603050405020304" pitchFamily="18" charset="0"/>
+              </a:rPr>
+              <a:t>金属卡爪的</a:t>
+            </a:r>
+            <a:r>
+              <a:rPr lang="zh-CN" altLang="zh-CN" sz="2200" dirty="0">
+                <a:latin typeface="Times New Roman" panose="02020603050405020304" pitchFamily="18" charset="0"/>
+                <a:cs typeface="Times New Roman" panose="02020603050405020304" pitchFamily="18" charset="0"/>
+              </a:rPr>
+              <a:t>距离</a:t>
+            </a:r>
+            <a:r>
+              <a:rPr lang="zh-CN" altLang="en-US" sz="2200" dirty="0" smtClean="0">
+                <a:latin typeface="Times New Roman" panose="02020603050405020304" pitchFamily="18" charset="0"/>
+                <a:cs typeface="Times New Roman" panose="02020603050405020304" pitchFamily="18" charset="0"/>
+              </a:rPr>
+              <a:t>。</a:t>
+            </a:r>
+            <a:endParaRPr lang="zh-CN" altLang="en-US" sz="2200" dirty="0">
+              <a:latin typeface="Times New Roman" panose="02020603050405020304" pitchFamily="18" charset="0"/>
+              <a:cs typeface="Times New Roman" panose="02020603050405020304" pitchFamily="18" charset="0"/>
+            </a:endParaRPr>
+          </a:p>
+        </p:txBody>
+      </p:sp>
+      <p:sp>
+        <p:nvSpPr>
+          <p:cNvPr id="7" name="文本框 6"/>
+          <p:cNvSpPr txBox="1"/>
+          <p:nvPr/>
+        </p:nvSpPr>
+        <p:spPr>
+          <a:xfrm>
+            <a:off x="1030708" y="5971759"/>
+            <a:ext cx="646331" cy="369332"/>
+          </a:xfrm>
+          <a:prstGeom prst="rect">
+            <a:avLst/>
+          </a:prstGeom>
+          <a:noFill/>
+        </p:spPr>
+        <p:txBody>
+          <a:bodyPr wrap="none" rtlCol="0">
+            <a:spAutoFit/>
+          </a:bodyPr>
+          <a:lstStyle/>
+          <a:p>
+            <a:r>
+              <a:rPr lang="zh-CN" altLang="zh-CN" dirty="0" smtClean="0"/>
+              <a:t>原始</a:t>
+            </a:r>
+            <a:endParaRPr lang="zh-CN" altLang="en-US" dirty="0"/>
+          </a:p>
+        </p:txBody>
+      </p:sp>
+      <p:sp>
+        <p:nvSpPr>
+          <p:cNvPr id="8" name="文本框 7"/>
+          <p:cNvSpPr txBox="1"/>
+          <p:nvPr/>
+        </p:nvSpPr>
+        <p:spPr>
+          <a:xfrm>
+            <a:off x="4016468" y="5967276"/>
+            <a:ext cx="646331" cy="369332"/>
+          </a:xfrm>
+          <a:prstGeom prst="rect">
+            <a:avLst/>
+          </a:prstGeom>
+          <a:noFill/>
+        </p:spPr>
+        <p:txBody>
+          <a:bodyPr wrap="none" rtlCol="0">
+            <a:spAutoFit/>
+          </a:bodyPr>
+          <a:lstStyle/>
+          <a:p>
+            <a:r>
+              <a:rPr lang="zh-CN" altLang="zh-CN" dirty="0" smtClean="0"/>
+              <a:t>过滤</a:t>
+            </a:r>
+            <a:endParaRPr lang="zh-CN" altLang="en-US" dirty="0"/>
+          </a:p>
+        </p:txBody>
+      </p:sp>
+      <p:pic>
+        <p:nvPicPr>
+          <p:cNvPr id="9" name="图片 8"/>
+          <p:cNvPicPr>
+            <a:picLocks noChangeAspect="1"/>
+          </p:cNvPicPr>
+          <p:nvPr/>
+        </p:nvPicPr>
+        <p:blipFill>
+          <a:blip r:embed="rId2" cstate="print">
+            <a:extLst>
+              <a:ext uri="{28A0092B-C50C-407E-A947-70E740481C1C}">
+                <a14:useLocalDpi xmlns:a14="http://schemas.microsoft.com/office/drawing/2010/main" val="0"/>
+              </a:ext>
+            </a:extLst>
+          </a:blip>
+          <a:stretch>
+            <a:fillRect/>
+          </a:stretch>
+        </p:blipFill>
+        <p:spPr>
+          <a:xfrm>
+            <a:off x="144706" y="3737197"/>
+            <a:ext cx="2880000" cy="2160000"/>
+          </a:xfrm>
+          <a:prstGeom prst="rect">
+            <a:avLst/>
+          </a:prstGeom>
+        </p:spPr>
+      </p:pic>
+      <p:pic>
+        <p:nvPicPr>
+          <p:cNvPr id="10" name="图片 9"/>
+          <p:cNvPicPr>
+            <a:picLocks noChangeAspect="1"/>
+          </p:cNvPicPr>
+          <p:nvPr/>
+        </p:nvPicPr>
+        <p:blipFill>
+          <a:blip r:embed="rId3" cstate="print">
+            <a:extLst>
+              <a:ext uri="{28A0092B-C50C-407E-A947-70E740481C1C}">
+                <a14:useLocalDpi xmlns:a14="http://schemas.microsoft.com/office/drawing/2010/main" val="0"/>
+              </a:ext>
+            </a:extLst>
+          </a:blip>
+          <a:stretch>
+            <a:fillRect/>
+          </a:stretch>
+        </p:blipFill>
+        <p:spPr>
+          <a:xfrm>
+            <a:off x="3130466" y="3737197"/>
+            <a:ext cx="2880000" cy="2160000"/>
+          </a:xfrm>
+          <a:prstGeom prst="rect">
+            <a:avLst/>
+          </a:prstGeom>
+        </p:spPr>
+      </p:pic>
+      <p:pic>
+        <p:nvPicPr>
+          <p:cNvPr id="11" name="图片 10"/>
+          <p:cNvPicPr>
+            <a:picLocks noChangeAspect="1"/>
+          </p:cNvPicPr>
+          <p:nvPr/>
+        </p:nvPicPr>
+        <p:blipFill>
+          <a:blip r:embed="rId4" cstate="print">
+            <a:extLst>
+              <a:ext uri="{28A0092B-C50C-407E-A947-70E740481C1C}">
+                <a14:useLocalDpi xmlns:a14="http://schemas.microsoft.com/office/drawing/2010/main" val="0"/>
+              </a:ext>
+            </a:extLst>
+          </a:blip>
+          <a:stretch>
+            <a:fillRect/>
+          </a:stretch>
+        </p:blipFill>
+        <p:spPr>
+          <a:xfrm>
+            <a:off x="6116227" y="3737197"/>
+            <a:ext cx="2880000" cy="2160000"/>
+          </a:xfrm>
+          <a:prstGeom prst="rect">
+            <a:avLst/>
+          </a:prstGeom>
+        </p:spPr>
+      </p:pic>
+      <p:sp>
+        <p:nvSpPr>
+          <p:cNvPr id="12" name="矩形 11"/>
+          <p:cNvSpPr/>
+          <p:nvPr/>
+        </p:nvSpPr>
+        <p:spPr>
+          <a:xfrm>
+            <a:off x="7002228" y="5966387"/>
+            <a:ext cx="646331" cy="369332"/>
+          </a:xfrm>
+          <a:prstGeom prst="rect">
+            <a:avLst/>
+          </a:prstGeom>
+        </p:spPr>
+        <p:txBody>
+          <a:bodyPr wrap="none">
+            <a:spAutoFit/>
+          </a:bodyPr>
+          <a:lstStyle/>
+          <a:p>
+            <a:r>
+              <a:rPr lang="zh-CN" altLang="zh-CN" dirty="0" smtClean="0">
+                <a:latin typeface="Times New Roman" panose="02020603050405020304" pitchFamily="18" charset="0"/>
+                <a:cs typeface="Times New Roman" panose="02020603050405020304" pitchFamily="18" charset="0"/>
+              </a:rPr>
+              <a:t>平滑</a:t>
+            </a:r>
+            <a:endParaRPr lang="zh-CN" altLang="en-US" dirty="0"/>
+          </a:p>
+        </p:txBody>
+      </p:sp>
+    </p:spTree>
+    <p:extLst>
+      <p:ext uri="{BB962C8B-B14F-4D97-AF65-F5344CB8AC3E}">
+        <p14:creationId xmlns:p14="http://schemas.microsoft.com/office/powerpoint/2010/main" val="2285690233"/>
+      </p:ext>
+    </p:extLst>
+  </p:cSld>
+  <p:clrMapOvr>
+    <a:masterClrMapping/>
+  </p:clrMapOvr>
+  <p:timing>
+    <p:tnLst>
+      <p:par>
+        <p:cTn id="1" dur="indefinite" restart="never" nodeType="tmRoot"/>
+      </p:par>
+    </p:tnLst>
+  </p:timing>
+</p:sld>
+</file>
+
+<file path=ppt/slides/slide21.xml><?xml version="1.0" encoding="utf-8"?>
+<p:sld xmlns:a="http://schemas.openxmlformats.org/drawingml/2006/main" xmlns:r="http://schemas.openxmlformats.org/officeDocument/2006/relationships" xmlns:p="http://schemas.openxmlformats.org/presentationml/2006/main">
+  <p:cSld>
+    <p:spTree>
+      <p:nvGrpSpPr>
+        <p:cNvPr id="1" name=""/>
+        <p:cNvGrpSpPr/>
+        <p:nvPr/>
+      </p:nvGrpSpPr>
+      <p:grpSpPr>
+        <a:xfrm>
+          <a:off x="0" y="0"/>
+          <a:ext cx="0" cy="0"/>
+          <a:chOff x="0" y="0"/>
+          <a:chExt cx="0" cy="0"/>
+        </a:xfrm>
+      </p:grpSpPr>
+      <p:sp>
+        <p:nvSpPr>
+          <p:cNvPr id="2" name="标题 1"/>
+          <p:cNvSpPr>
+            <a:spLocks noGrp="1"/>
+          </p:cNvSpPr>
+          <p:nvPr>
+            <p:ph type="title"/>
+          </p:nvPr>
+        </p:nvSpPr>
+        <p:spPr>
+          <a:xfrm>
+            <a:off x="639848" y="266474"/>
             <a:ext cx="5958176" cy="536574"/>
           </a:xfrm>
         </p:spPr>
@@ -11615,7 +11731,7 @@
           <p:nvPr>
             <p:extLst>
               <p:ext uri="{D42A27DB-BD31-4B8C-83A1-F6EECF244321}">
-                <p14:modId xmlns:p14="http://schemas.microsoft.com/office/powerpoint/2010/main" val="2899585235"/>
+                <p14:modId xmlns:p14="http://schemas.microsoft.com/office/powerpoint/2010/main" val="383968639"/>
               </p:ext>
             </p:extLst>
           </p:nvPr>
@@ -11647,6 +11763,15 @@
                           <a:spcPts val="0"/>
                         </a:spcAft>
                       </a:pPr>
+                      <a:r>
+                        <a:rPr lang="zh-CN" altLang="en-US" sz="2000" kern="100" dirty="0" smtClean="0">
+                          <a:effectLst/>
+                          <a:latin typeface="Times New Roman" panose="02020603050405020304" pitchFamily="18" charset="0"/>
+                          <a:ea typeface="宋体" panose="02010600030101010101" pitchFamily="2" charset="-122"/>
+                          <a:cs typeface="Times New Roman" panose="02020603050405020304" pitchFamily="18" charset="0"/>
+                        </a:rPr>
+                        <a:t>类别</a:t>
+                      </a:r>
                       <a:endParaRPr lang="zh-CN" sz="2000" kern="100" dirty="0">
                         <a:effectLst/>
                         <a:latin typeface="Times New Roman" panose="02020603050405020304" pitchFamily="18" charset="0"/>
@@ -11696,7 +11821,7 @@
                         </a:spcAft>
                       </a:pPr>
                       <a:r>
-                        <a:rPr lang="zh-CN" sz="2000" kern="100">
+                        <a:rPr lang="zh-CN" sz="2000" kern="100" dirty="0">
                           <a:effectLst/>
                           <a:latin typeface="Times New Roman" panose="02020603050405020304" pitchFamily="18" charset="0"/>
                           <a:ea typeface="宋体" panose="02010600030101010101" pitchFamily="2" charset="-122"/>
@@ -12760,7 +12885,7 @@
 </p:sld>
 </file>
 
-<file path=ppt/slides/slide21.xml><?xml version="1.0" encoding="utf-8"?>
+<file path=ppt/slides/slide22.xml><?xml version="1.0" encoding="utf-8"?>
 <p:sld xmlns:a="http://schemas.openxmlformats.org/drawingml/2006/main" xmlns:r="http://schemas.openxmlformats.org/officeDocument/2006/relationships" xmlns:p="http://schemas.openxmlformats.org/presentationml/2006/main">
   <p:cSld>
     <p:spTree>
@@ -12831,8 +12956,8 @@
           </a:p>
         </p:txBody>
       </p:sp>
-      <mc:AlternateContent xmlns:mc="http://schemas.openxmlformats.org/markup-compatibility/2006">
-        <mc:Choice xmlns:a14="http://schemas.microsoft.com/office/drawing/2010/main" Requires="a14">
+      <mc:AlternateContent xmlns:mc="http://schemas.openxmlformats.org/markup-compatibility/2006" xmlns:a14="http://schemas.microsoft.com/office/drawing/2010/main">
+        <mc:Choice Requires="a14">
           <p:sp>
             <p:nvSpPr>
               <p:cNvPr id="3" name="矩形 2"/>
@@ -12907,7 +13032,7 @@
                     <a:latin typeface="Times New Roman" panose="02020603050405020304" pitchFamily="18" charset="0"/>
                     <a:cs typeface="Times New Roman" panose="02020603050405020304" pitchFamily="18" charset="0"/>
                   </a:rPr>
-                  <a:t>，比较适合工业检测的特点。</a:t>
+                  <a:t>，比较适合工业检测实时检测的特点。</a:t>
                 </a:r>
                 <a:endParaRPr lang="en-US" altLang="zh-CN" sz="2200" dirty="0" smtClean="0">
                   <a:latin typeface="Times New Roman" panose="02020603050405020304" pitchFamily="18" charset="0"/>
@@ -12972,7 +13097,7 @@
             </p:txBody>
           </p:sp>
         </mc:Choice>
-        <mc:Fallback>
+        <mc:Fallback xmlns="">
           <p:sp>
             <p:nvSpPr>
               <p:cNvPr id="3" name="矩形 2"/>
@@ -13292,7 +13417,7 @@
 </p:sld>
 </file>
 
-<file path=ppt/slides/slide22.xml><?xml version="1.0" encoding="utf-8"?>
+<file path=ppt/slides/slide23.xml><?xml version="1.0" encoding="utf-8"?>
 <p:sld xmlns:a="http://schemas.openxmlformats.org/drawingml/2006/main" xmlns:r="http://schemas.openxmlformats.org/officeDocument/2006/relationships" xmlns:p="http://schemas.openxmlformats.org/presentationml/2006/main">
   <p:cSld>
     <p:spTree>
@@ -13598,7 +13723,7 @@
             <p:cNvPr id="35" name="流程图: 过程 34">
               <a:extLst>
                 <a:ext uri="{FF2B5EF4-FFF2-40B4-BE49-F238E27FC236}">
-                  <a16:creationId xmlns="" xmlns:a16="http://schemas.microsoft.com/office/drawing/2014/main" id="{57AE6D65-AD68-4910-AD70-E3F9CD49580C}"/>
+                  <a16:creationId xmlns:a16="http://schemas.microsoft.com/office/drawing/2014/main" xmlns="" id="{57AE6D65-AD68-4910-AD70-E3F9CD49580C}"/>
                 </a:ext>
               </a:extLst>
             </p:cNvPr>
@@ -13669,7 +13794,7 @@
             <p:cNvPr id="36" name="流程图: 过程 35">
               <a:extLst>
                 <a:ext uri="{FF2B5EF4-FFF2-40B4-BE49-F238E27FC236}">
-                  <a16:creationId xmlns="" xmlns:a16="http://schemas.microsoft.com/office/drawing/2014/main" id="{DF5618C4-A100-4C16-AE5A-386CCEA74366}"/>
+                  <a16:creationId xmlns:a16="http://schemas.microsoft.com/office/drawing/2014/main" xmlns="" id="{DF5618C4-A100-4C16-AE5A-386CCEA74366}"/>
                 </a:ext>
               </a:extLst>
             </p:cNvPr>
@@ -13756,7 +13881,7 @@
               <p:cNvPr id="59" name="菱形 58">
                 <a:extLst>
                   <a:ext uri="{FF2B5EF4-FFF2-40B4-BE49-F238E27FC236}">
-                    <a16:creationId xmlns="" xmlns:a16="http://schemas.microsoft.com/office/drawing/2014/main" id="{12D7EFA7-B56E-49A1-8474-4DB33447F7E4}"/>
+                    <a16:creationId xmlns:a16="http://schemas.microsoft.com/office/drawing/2014/main" xmlns="" id="{12D7EFA7-B56E-49A1-8474-4DB33447F7E4}"/>
                   </a:ext>
                 </a:extLst>
               </p:cNvPr>
@@ -13824,7 +13949,7 @@
               <p:cNvPr id="60" name="文本框 19">
                 <a:extLst>
                   <a:ext uri="{FF2B5EF4-FFF2-40B4-BE49-F238E27FC236}">
-                    <a16:creationId xmlns="" xmlns:a16="http://schemas.microsoft.com/office/drawing/2014/main" id="{D3227F8A-32FC-49B8-8983-80F34F86E615}"/>
+                    <a16:creationId xmlns:a16="http://schemas.microsoft.com/office/drawing/2014/main" xmlns="" id="{D3227F8A-32FC-49B8-8983-80F34F86E615}"/>
                   </a:ext>
                 </a:extLst>
               </p:cNvPr>
@@ -13928,7 +14053,7 @@
               <p:cNvPr id="57" name="流程图: 数据 56">
                 <a:extLst>
                   <a:ext uri="{FF2B5EF4-FFF2-40B4-BE49-F238E27FC236}">
-                    <a16:creationId xmlns="" xmlns:a16="http://schemas.microsoft.com/office/drawing/2014/main" id="{7B982382-5BDD-430A-823F-1EF66C59D414}"/>
+                    <a16:creationId xmlns:a16="http://schemas.microsoft.com/office/drawing/2014/main" xmlns="" id="{7B982382-5BDD-430A-823F-1EF66C59D414}"/>
                   </a:ext>
                 </a:extLst>
               </p:cNvPr>
@@ -13990,7 +14115,7 @@
               <p:cNvPr id="58" name="文本框 27">
                 <a:extLst>
                   <a:ext uri="{FF2B5EF4-FFF2-40B4-BE49-F238E27FC236}">
-                    <a16:creationId xmlns="" xmlns:a16="http://schemas.microsoft.com/office/drawing/2014/main" id="{20A0F180-6CB0-4E70-B6E0-DB14C781003D}"/>
+                    <a16:creationId xmlns:a16="http://schemas.microsoft.com/office/drawing/2014/main" xmlns="" id="{20A0F180-6CB0-4E70-B6E0-DB14C781003D}"/>
                   </a:ext>
                 </a:extLst>
               </p:cNvPr>
@@ -14057,7 +14182,7 @@
             <p:cNvPr id="39" name="组合 38">
               <a:extLst>
                 <a:ext uri="{FF2B5EF4-FFF2-40B4-BE49-F238E27FC236}">
-                  <a16:creationId xmlns="" xmlns:a16="http://schemas.microsoft.com/office/drawing/2014/main" id="{31922F65-88BB-4A94-8732-FF89FB296A7F}"/>
+                  <a16:creationId xmlns:a16="http://schemas.microsoft.com/office/drawing/2014/main" xmlns="" id="{31922F65-88BB-4A94-8732-FF89FB296A7F}"/>
                 </a:ext>
               </a:extLst>
             </p:cNvPr>
@@ -14080,7 +14205,7 @@
               <p:cNvPr id="55" name="流程图: 终止 54">
                 <a:extLst>
                   <a:ext uri="{FF2B5EF4-FFF2-40B4-BE49-F238E27FC236}">
-                    <a16:creationId xmlns="" xmlns:a16="http://schemas.microsoft.com/office/drawing/2014/main" id="{821728A5-ACB2-4DFD-9EF9-C5718E8DB807}"/>
+                    <a16:creationId xmlns:a16="http://schemas.microsoft.com/office/drawing/2014/main" xmlns="" id="{821728A5-ACB2-4DFD-9EF9-C5718E8DB807}"/>
                   </a:ext>
                 </a:extLst>
               </p:cNvPr>
@@ -14142,7 +14267,7 @@
               <p:cNvPr id="56" name="文本框 40">
                 <a:extLst>
                   <a:ext uri="{FF2B5EF4-FFF2-40B4-BE49-F238E27FC236}">
-                    <a16:creationId xmlns="" xmlns:a16="http://schemas.microsoft.com/office/drawing/2014/main" id="{A1896994-9DBF-4384-9783-F23D3457056C}"/>
+                    <a16:creationId xmlns:a16="http://schemas.microsoft.com/office/drawing/2014/main" xmlns="" id="{A1896994-9DBF-4384-9783-F23D3457056C}"/>
                   </a:ext>
                 </a:extLst>
               </p:cNvPr>
@@ -14209,7 +14334,7 @@
             <p:cNvPr id="40" name="组合 39">
               <a:extLst>
                 <a:ext uri="{FF2B5EF4-FFF2-40B4-BE49-F238E27FC236}">
-                  <a16:creationId xmlns="" xmlns:a16="http://schemas.microsoft.com/office/drawing/2014/main" id="{98DAB4CF-B7E6-4A94-B020-148FE92C07ED}"/>
+                  <a16:creationId xmlns:a16="http://schemas.microsoft.com/office/drawing/2014/main" xmlns="" id="{98DAB4CF-B7E6-4A94-B020-148FE92C07ED}"/>
                 </a:ext>
               </a:extLst>
             </p:cNvPr>
@@ -14232,7 +14357,7 @@
               <p:cNvPr id="53" name="流程图: 终止 52">
                 <a:extLst>
                   <a:ext uri="{FF2B5EF4-FFF2-40B4-BE49-F238E27FC236}">
-                    <a16:creationId xmlns="" xmlns:a16="http://schemas.microsoft.com/office/drawing/2014/main" id="{7ADB7280-DA5D-4B25-A4BB-364BDC39C520}"/>
+                    <a16:creationId xmlns:a16="http://schemas.microsoft.com/office/drawing/2014/main" xmlns="" id="{7ADB7280-DA5D-4B25-A4BB-364BDC39C520}"/>
                   </a:ext>
                 </a:extLst>
               </p:cNvPr>
@@ -14294,7 +14419,7 @@
               <p:cNvPr id="54" name="文本框 3">
                 <a:extLst>
                   <a:ext uri="{FF2B5EF4-FFF2-40B4-BE49-F238E27FC236}">
-                    <a16:creationId xmlns="" xmlns:a16="http://schemas.microsoft.com/office/drawing/2014/main" id="{505B618B-DD3F-4711-B98B-A034FBC53F99}"/>
+                    <a16:creationId xmlns:a16="http://schemas.microsoft.com/office/drawing/2014/main" xmlns="" id="{505B618B-DD3F-4711-B98B-A034FBC53F99}"/>
                   </a:ext>
                 </a:extLst>
               </p:cNvPr>
@@ -14361,7 +14486,7 @@
             <p:cNvPr id="41" name="流程图: 过程 40">
               <a:extLst>
                 <a:ext uri="{FF2B5EF4-FFF2-40B4-BE49-F238E27FC236}">
-                  <a16:creationId xmlns="" xmlns:a16="http://schemas.microsoft.com/office/drawing/2014/main" id="{A2B7C6EB-B9C5-4815-9207-7ABAD5294750}"/>
+                  <a16:creationId xmlns:a16="http://schemas.microsoft.com/office/drawing/2014/main" xmlns="" id="{A2B7C6EB-B9C5-4815-9207-7ABAD5294750}"/>
                 </a:ext>
               </a:extLst>
             </p:cNvPr>
@@ -14432,7 +14557,7 @@
             <p:cNvPr id="42" name="直接箭头连接符 41">
               <a:extLst>
                 <a:ext uri="{FF2B5EF4-FFF2-40B4-BE49-F238E27FC236}">
-                  <a16:creationId xmlns="" xmlns:a16="http://schemas.microsoft.com/office/drawing/2014/main" id="{1D2F8702-EF1E-4E42-A00F-F506FB845B9C}"/>
+                  <a16:creationId xmlns:a16="http://schemas.microsoft.com/office/drawing/2014/main" xmlns="" id="{1D2F8702-EF1E-4E42-A00F-F506FB845B9C}"/>
                 </a:ext>
               </a:extLst>
             </p:cNvPr>
@@ -14474,7 +14599,7 @@
             <p:cNvPr id="43" name="直接箭头连接符 42">
               <a:extLst>
                 <a:ext uri="{FF2B5EF4-FFF2-40B4-BE49-F238E27FC236}">
-                  <a16:creationId xmlns="" xmlns:a16="http://schemas.microsoft.com/office/drawing/2014/main" id="{E62DF940-C9F0-44A1-9639-8EBE6D2B1770}"/>
+                  <a16:creationId xmlns:a16="http://schemas.microsoft.com/office/drawing/2014/main" xmlns="" id="{E62DF940-C9F0-44A1-9639-8EBE6D2B1770}"/>
                 </a:ext>
               </a:extLst>
             </p:cNvPr>
@@ -14516,7 +14641,7 @@
             <p:cNvPr id="44" name="直接箭头连接符 43">
               <a:extLst>
                 <a:ext uri="{FF2B5EF4-FFF2-40B4-BE49-F238E27FC236}">
-                  <a16:creationId xmlns="" xmlns:a16="http://schemas.microsoft.com/office/drawing/2014/main" id="{4CF753CC-E42A-4CD0-AA90-8267A1E33C0C}"/>
+                  <a16:creationId xmlns:a16="http://schemas.microsoft.com/office/drawing/2014/main" xmlns="" id="{4CF753CC-E42A-4CD0-AA90-8267A1E33C0C}"/>
                 </a:ext>
               </a:extLst>
             </p:cNvPr>
@@ -14558,7 +14683,7 @@
             <p:cNvPr id="45" name="直接箭头连接符 44">
               <a:extLst>
                 <a:ext uri="{FF2B5EF4-FFF2-40B4-BE49-F238E27FC236}">
-                  <a16:creationId xmlns="" xmlns:a16="http://schemas.microsoft.com/office/drawing/2014/main" id="{1F333818-AA2B-4765-B105-91E62155BB7E}"/>
+                  <a16:creationId xmlns:a16="http://schemas.microsoft.com/office/drawing/2014/main" xmlns="" id="{1F333818-AA2B-4765-B105-91E62155BB7E}"/>
                 </a:ext>
               </a:extLst>
             </p:cNvPr>
@@ -14600,7 +14725,7 @@
             <p:cNvPr id="46" name="直接箭头连接符 45">
               <a:extLst>
                 <a:ext uri="{FF2B5EF4-FFF2-40B4-BE49-F238E27FC236}">
-                  <a16:creationId xmlns="" xmlns:a16="http://schemas.microsoft.com/office/drawing/2014/main" id="{22BBC817-1511-4F14-8D7D-7887AAACA9D0}"/>
+                  <a16:creationId xmlns:a16="http://schemas.microsoft.com/office/drawing/2014/main" xmlns="" id="{22BBC817-1511-4F14-8D7D-7887AAACA9D0}"/>
                 </a:ext>
               </a:extLst>
             </p:cNvPr>
@@ -14642,7 +14767,7 @@
             <p:cNvPr id="47" name="直接连接符 46">
               <a:extLst>
                 <a:ext uri="{FF2B5EF4-FFF2-40B4-BE49-F238E27FC236}">
-                  <a16:creationId xmlns="" xmlns:a16="http://schemas.microsoft.com/office/drawing/2014/main" id="{CF8115CD-2AAA-4FBC-AA85-48B59DAB5C3B}"/>
+                  <a16:creationId xmlns:a16="http://schemas.microsoft.com/office/drawing/2014/main" xmlns="" id="{CF8115CD-2AAA-4FBC-AA85-48B59DAB5C3B}"/>
                 </a:ext>
               </a:extLst>
             </p:cNvPr>
@@ -14685,7 +14810,7 @@
             <p:cNvPr id="48" name="直接箭头连接符 47">
               <a:extLst>
                 <a:ext uri="{FF2B5EF4-FFF2-40B4-BE49-F238E27FC236}">
-                  <a16:creationId xmlns="" xmlns:a16="http://schemas.microsoft.com/office/drawing/2014/main" id="{581F2596-4DA6-4C27-A7A8-43381C6D5C09}"/>
+                  <a16:creationId xmlns:a16="http://schemas.microsoft.com/office/drawing/2014/main" xmlns="" id="{581F2596-4DA6-4C27-A7A8-43381C6D5C09}"/>
                 </a:ext>
               </a:extLst>
             </p:cNvPr>
@@ -14727,7 +14852,7 @@
             <p:cNvPr id="49" name="直接连接符 48">
               <a:extLst>
                 <a:ext uri="{FF2B5EF4-FFF2-40B4-BE49-F238E27FC236}">
-                  <a16:creationId xmlns="" xmlns:a16="http://schemas.microsoft.com/office/drawing/2014/main" id="{09D3F5CF-B59E-4D6D-B843-9B98FBC3A18A}"/>
+                  <a16:creationId xmlns:a16="http://schemas.microsoft.com/office/drawing/2014/main" xmlns="" id="{09D3F5CF-B59E-4D6D-B843-9B98FBC3A18A}"/>
                 </a:ext>
               </a:extLst>
             </p:cNvPr>
@@ -14768,7 +14893,7 @@
             <p:cNvPr id="50" name="直接箭头连接符 49">
               <a:extLst>
                 <a:ext uri="{FF2B5EF4-FFF2-40B4-BE49-F238E27FC236}">
-                  <a16:creationId xmlns="" xmlns:a16="http://schemas.microsoft.com/office/drawing/2014/main" id="{3E159BB4-B276-4D87-8FC2-CA2E517589CC}"/>
+                  <a16:creationId xmlns:a16="http://schemas.microsoft.com/office/drawing/2014/main" xmlns="" id="{3E159BB4-B276-4D87-8FC2-CA2E517589CC}"/>
                 </a:ext>
               </a:extLst>
             </p:cNvPr>
@@ -14810,7 +14935,7 @@
             <p:cNvPr id="51" name="流程图: 过程 50">
               <a:extLst>
                 <a:ext uri="{FF2B5EF4-FFF2-40B4-BE49-F238E27FC236}">
-                  <a16:creationId xmlns="" xmlns:a16="http://schemas.microsoft.com/office/drawing/2014/main" id="{237F87A4-C6BA-48FF-97F6-D55F2D8B0B31}"/>
+                  <a16:creationId xmlns:a16="http://schemas.microsoft.com/office/drawing/2014/main" xmlns="" id="{237F87A4-C6BA-48FF-97F6-D55F2D8B0B31}"/>
                 </a:ext>
               </a:extLst>
             </p:cNvPr>
@@ -14891,7 +15016,7 @@
             <p:cNvPr id="52" name="直接箭头连接符 51">
               <a:extLst>
                 <a:ext uri="{FF2B5EF4-FFF2-40B4-BE49-F238E27FC236}">
-                  <a16:creationId xmlns="" xmlns:a16="http://schemas.microsoft.com/office/drawing/2014/main" id="{22ECF350-4564-49DC-98CD-F8825053E871}"/>
+                  <a16:creationId xmlns:a16="http://schemas.microsoft.com/office/drawing/2014/main" xmlns="" id="{22ECF350-4564-49DC-98CD-F8825053E871}"/>
                 </a:ext>
               </a:extLst>
             </p:cNvPr>
@@ -14934,7 +15059,7 @@
           <p:cNvPr id="61" name="文本框 60">
             <a:extLst>
               <a:ext uri="{FF2B5EF4-FFF2-40B4-BE49-F238E27FC236}">
-                <a16:creationId xmlns="" xmlns:a16="http://schemas.microsoft.com/office/drawing/2014/main" id="{F21A5795-F290-4143-B443-28B09DE65C16}"/>
+                <a16:creationId xmlns:a16="http://schemas.microsoft.com/office/drawing/2014/main" xmlns="" id="{F21A5795-F290-4143-B443-28B09DE65C16}"/>
               </a:ext>
             </a:extLst>
           </p:cNvPr>
@@ -15102,8 +15227,8 @@
           </a:p>
         </p:txBody>
       </p:sp>
-      <mc:AlternateContent xmlns:mc="http://schemas.openxmlformats.org/markup-compatibility/2006">
-        <mc:Choice xmlns:a14="http://schemas.microsoft.com/office/drawing/2010/main" Requires="a14">
+      <mc:AlternateContent xmlns:mc="http://schemas.openxmlformats.org/markup-compatibility/2006" xmlns:a14="http://schemas.microsoft.com/office/drawing/2010/main">
+        <mc:Choice Requires="a14">
           <p:sp>
             <p:nvSpPr>
               <p:cNvPr id="63" name="矩形 62"/>
@@ -15325,7 +15450,7 @@
             </p:txBody>
           </p:sp>
         </mc:Choice>
-        <mc:Fallback>
+        <mc:Fallback xmlns="">
           <p:sp>
             <p:nvSpPr>
               <p:cNvPr id="63" name="矩形 62"/>
@@ -15364,8 +15489,8 @@
           </p:sp>
         </mc:Fallback>
       </mc:AlternateContent>
-      <mc:AlternateContent xmlns:mc="http://schemas.openxmlformats.org/markup-compatibility/2006">
-        <mc:Choice xmlns:a14="http://schemas.microsoft.com/office/drawing/2010/main" Requires="a14">
+      <mc:AlternateContent xmlns:mc="http://schemas.openxmlformats.org/markup-compatibility/2006" xmlns:a14="http://schemas.microsoft.com/office/drawing/2010/main">
+        <mc:Choice Requires="a14">
           <p:sp>
             <p:nvSpPr>
               <p:cNvPr id="64" name="矩形 63"/>
@@ -15469,7 +15594,7 @@
             </p:txBody>
           </p:sp>
         </mc:Choice>
-        <mc:Fallback>
+        <mc:Fallback xmlns="">
           <p:sp>
             <p:nvSpPr>
               <p:cNvPr id="64" name="矩形 63"/>
@@ -15621,7 +15746,7 @@
 </p:sld>
 </file>
 
-<file path=ppt/slides/slide23.xml><?xml version="1.0" encoding="utf-8"?>
+<file path=ppt/slides/slide24.xml><?xml version="1.0" encoding="utf-8"?>
 <p:sld xmlns:a="http://schemas.openxmlformats.org/drawingml/2006/main" xmlns:r="http://schemas.openxmlformats.org/officeDocument/2006/relationships" xmlns:p="http://schemas.openxmlformats.org/presentationml/2006/main">
   <p:cSld>
     <p:spTree>
@@ -15826,14 +15951,7 @@
                 <a:latin typeface="Times New Roman" panose="02020603050405020304" pitchFamily="18" charset="0"/>
                 <a:cs typeface="Times New Roman" panose="02020603050405020304" pitchFamily="18" charset="0"/>
               </a:rPr>
-              <a:t>精确</a:t>
-            </a:r>
-            <a:r>
-              <a:rPr lang="zh-CN" altLang="en-US" sz="2200" kern="100" dirty="0" smtClean="0">
-                <a:latin typeface="Times New Roman" panose="02020603050405020304" pitchFamily="18" charset="0"/>
-                <a:cs typeface="Times New Roman" panose="02020603050405020304" pitchFamily="18" charset="0"/>
-              </a:rPr>
-              <a:t>率是指，检测为该类别且检测正确的比率。</a:t>
+              <a:t>精确率是指，检测为该类别且检测正确的比率。</a:t>
             </a:r>
             <a:endParaRPr lang="en-US" altLang="zh-CN" sz="2200" kern="100" dirty="0" smtClean="0">
               <a:latin typeface="Times New Roman" panose="02020603050405020304" pitchFamily="18" charset="0"/>
@@ -16036,7 +16154,7 @@
                         </a:spcAft>
                       </a:pPr>
                       <a:r>
-                        <a:rPr lang="zh-CN" sz="2000" kern="100">
+                        <a:rPr lang="zh-CN" sz="2000" kern="100" dirty="0">
                           <a:solidFill>
                             <a:schemeClr val="tx1"/>
                           </a:solidFill>
@@ -16048,7 +16166,7 @@
                         <a:t>召回率</a:t>
                       </a:r>
                       <a:r>
-                        <a:rPr lang="en-US" sz="2000" kern="100">
+                        <a:rPr lang="en-US" sz="2000" kern="100" dirty="0">
                           <a:solidFill>
                             <a:schemeClr val="tx1"/>
                           </a:solidFill>
@@ -16060,7 +16178,7 @@
                         <a:t>/</a:t>
                       </a:r>
                       <a:r>
-                        <a:rPr lang="zh-CN" sz="2000" kern="100">
+                        <a:rPr lang="zh-CN" sz="2000" kern="100" dirty="0">
                           <a:solidFill>
                             <a:schemeClr val="tx1"/>
                           </a:solidFill>
@@ -16114,7 +16232,7 @@
                         </a:spcAft>
                       </a:pPr>
                       <a:r>
-                        <a:rPr lang="en-US" sz="2000" kern="100">
+                        <a:rPr lang="en-US" sz="2000" kern="100" dirty="0">
                           <a:solidFill>
                             <a:schemeClr val="tx1"/>
                           </a:solidFill>
@@ -16125,7 +16243,7 @@
                         </a:rPr>
                         <a:t>F1</a:t>
                       </a:r>
-                      <a:endParaRPr lang="zh-CN" sz="2000" kern="100">
+                      <a:endParaRPr lang="zh-CN" sz="2000" kern="100" dirty="0">
                         <a:solidFill>
                           <a:schemeClr val="tx1"/>
                         </a:solidFill>
@@ -16177,7 +16295,7 @@
                         </a:spcAft>
                       </a:pPr>
                       <a:r>
-                        <a:rPr lang="zh-CN" sz="2000" kern="100">
+                        <a:rPr lang="zh-CN" sz="2000" kern="100" dirty="0">
                           <a:solidFill>
                             <a:schemeClr val="tx1"/>
                           </a:solidFill>
@@ -16395,7 +16513,7 @@
                         </a:spcAft>
                       </a:pPr>
                       <a:r>
-                        <a:rPr lang="en-US" sz="2000" kern="100">
+                        <a:rPr lang="en-US" sz="2000" kern="100" dirty="0">
                           <a:solidFill>
                             <a:schemeClr val="tx1"/>
                           </a:solidFill>
@@ -16406,7 +16524,7 @@
                         </a:rPr>
                         <a:t>98.97%</a:t>
                       </a:r>
-                      <a:endParaRPr lang="zh-CN" sz="2000" kern="100">
+                      <a:endParaRPr lang="zh-CN" sz="2000" kern="100" dirty="0">
                         <a:solidFill>
                           <a:schemeClr val="tx1"/>
                         </a:solidFill>
@@ -16706,7 +16824,7 @@
                         </a:spcAft>
                       </a:pPr>
                       <a:r>
-                        <a:rPr lang="en-US" sz="2000" kern="100">
+                        <a:rPr lang="en-US" sz="2000" kern="100" dirty="0">
                           <a:solidFill>
                             <a:schemeClr val="tx1"/>
                           </a:solidFill>
@@ -16717,7 +16835,7 @@
                         </a:rPr>
                         <a:t>0%</a:t>
                       </a:r>
-                      <a:endParaRPr lang="zh-CN" sz="2000" kern="100">
+                      <a:endParaRPr lang="zh-CN" sz="2000" kern="100" dirty="0">
                         <a:solidFill>
                           <a:schemeClr val="tx1"/>
                         </a:solidFill>
@@ -16852,7 +16970,7 @@
                         </a:spcAft>
                       </a:pPr>
                       <a:r>
-                        <a:rPr lang="en-US" sz="2000" kern="100">
+                        <a:rPr lang="en-US" sz="2000" kern="100" dirty="0">
                           <a:solidFill>
                             <a:schemeClr val="tx1"/>
                           </a:solidFill>
@@ -16863,7 +16981,7 @@
                         </a:rPr>
                         <a:t>100%</a:t>
                       </a:r>
-                      <a:endParaRPr lang="zh-CN" sz="2000" kern="100">
+                      <a:endParaRPr lang="zh-CN" sz="2000" kern="100" dirty="0">
                         <a:solidFill>
                           <a:schemeClr val="tx1"/>
                         </a:solidFill>
@@ -17100,7 +17218,7 @@
                         </a:spcAft>
                       </a:pPr>
                       <a:r>
-                        <a:rPr lang="en-US" sz="2000" kern="100">
+                        <a:rPr lang="en-US" sz="2000" kern="100" dirty="0">
                           <a:solidFill>
                             <a:schemeClr val="tx1"/>
                           </a:solidFill>
@@ -17111,7 +17229,7 @@
                         </a:rPr>
                         <a:t>97.14%</a:t>
                       </a:r>
-                      <a:endParaRPr lang="zh-CN" sz="2000" kern="100">
+                      <a:endParaRPr lang="zh-CN" sz="2000" kern="100" dirty="0">
                         <a:solidFill>
                           <a:schemeClr val="tx1"/>
                         </a:solidFill>
@@ -17360,7 +17478,7 @@
                         </a:spcAft>
                       </a:pPr>
                       <a:r>
-                        <a:rPr lang="en-US" sz="2000" kern="100">
+                        <a:rPr lang="en-US" sz="2000" kern="100" dirty="0">
                           <a:solidFill>
                             <a:schemeClr val="tx1"/>
                           </a:solidFill>
@@ -17371,7 +17489,7 @@
                         </a:rPr>
                         <a:t>83.33%</a:t>
                       </a:r>
-                      <a:endParaRPr lang="zh-CN" sz="2000" kern="100">
+                      <a:endParaRPr lang="zh-CN" sz="2000" kern="100" dirty="0">
                         <a:solidFill>
                           <a:schemeClr val="tx1"/>
                         </a:solidFill>
@@ -17417,7 +17535,7 @@
                         </a:spcAft>
                       </a:pPr>
                       <a:r>
-                        <a:rPr lang="en-US" sz="2000" kern="100">
+                        <a:rPr lang="en-US" sz="2000" kern="100" dirty="0">
                           <a:solidFill>
                             <a:schemeClr val="tx1"/>
                           </a:solidFill>
@@ -17428,7 +17546,7 @@
                         </a:rPr>
                         <a:t>90.91%</a:t>
                       </a:r>
-                      <a:endParaRPr lang="zh-CN" sz="2000" kern="100">
+                      <a:endParaRPr lang="zh-CN" sz="2000" kern="100" dirty="0">
                         <a:solidFill>
                           <a:schemeClr val="tx1"/>
                         </a:solidFill>
@@ -17542,7 +17660,7 @@
 </p:sld>
 </file>
 
-<file path=ppt/slides/slide24.xml><?xml version="1.0" encoding="utf-8"?>
+<file path=ppt/slides/slide25.xml><?xml version="1.0" encoding="utf-8"?>
 <p:sld xmlns:a="http://schemas.openxmlformats.org/drawingml/2006/main" xmlns:r="http://schemas.openxmlformats.org/officeDocument/2006/relationships" xmlns:p="http://schemas.openxmlformats.org/presentationml/2006/main">
   <p:cSld>
     <p:spTree>
@@ -17629,7 +17747,7 @@
 </p:sld>
 </file>
 
-<file path=ppt/slides/slide25.xml><?xml version="1.0" encoding="utf-8"?>
+<file path=ppt/slides/slide26.xml><?xml version="1.0" encoding="utf-8"?>
 <p:sld xmlns:a="http://schemas.openxmlformats.org/drawingml/2006/main" xmlns:r="http://schemas.openxmlformats.org/officeDocument/2006/relationships" xmlns:p="http://schemas.openxmlformats.org/presentationml/2006/main">
   <p:cSld>
     <p:spTree>
@@ -17668,11 +17786,7 @@
           <a:p>
             <a:r>
               <a:rPr lang="zh-CN" altLang="en-US" sz="3200" dirty="0" smtClean="0"/>
-              <a:t>视觉检测</a:t>
-            </a:r>
-            <a:r>
-              <a:rPr lang="zh-CN" altLang="en-US" sz="3200" dirty="0" smtClean="0"/>
-              <a:t>软件设计</a:t>
+              <a:t>视觉检测软件设计</a:t>
             </a:r>
             <a:endParaRPr lang="zh-CN" altLang="en-US" sz="3200" dirty="0"/>
           </a:p>
@@ -18091,7 +18205,7 @@
 </p:sld>
 </file>
 
-<file path=ppt/slides/slide26.xml><?xml version="1.0" encoding="utf-8"?>
+<file path=ppt/slides/slide27.xml><?xml version="1.0" encoding="utf-8"?>
 <p:sld xmlns:a="http://schemas.openxmlformats.org/drawingml/2006/main" xmlns:r="http://schemas.openxmlformats.org/officeDocument/2006/relationships" xmlns:p="http://schemas.openxmlformats.org/presentationml/2006/main">
   <p:cSld>
     <p:spTree>
@@ -18445,7 +18559,7 @@
 </p:sld>
 </file>
 
-<file path=ppt/slides/slide27.xml><?xml version="1.0" encoding="utf-8"?>
+<file path=ppt/slides/slide28.xml><?xml version="1.0" encoding="utf-8"?>
 <p:sld xmlns:a="http://schemas.openxmlformats.org/drawingml/2006/main" xmlns:r="http://schemas.openxmlformats.org/officeDocument/2006/relationships" xmlns:p="http://schemas.openxmlformats.org/presentationml/2006/main">
   <p:cSld>
     <p:spTree>
@@ -18528,7 +18642,289 @@
 </p:sld>
 </file>
 
-<file path=ppt/slides/slide28.xml><?xml version="1.0" encoding="utf-8"?>
+<file path=ppt/slides/slide29.xml><?xml version="1.0" encoding="utf-8"?>
+<p:sld xmlns:a="http://schemas.openxmlformats.org/drawingml/2006/main" xmlns:r="http://schemas.openxmlformats.org/officeDocument/2006/relationships" xmlns:p="http://schemas.openxmlformats.org/presentationml/2006/main">
+  <p:cSld>
+    <p:spTree>
+      <p:nvGrpSpPr>
+        <p:cNvPr id="1" name=""/>
+        <p:cNvGrpSpPr/>
+        <p:nvPr/>
+      </p:nvGrpSpPr>
+      <p:grpSpPr>
+        <a:xfrm>
+          <a:off x="0" y="0"/>
+          <a:ext cx="0" cy="0"/>
+          <a:chOff x="0" y="0"/>
+          <a:chExt cx="0" cy="0"/>
+        </a:xfrm>
+      </p:grpSpPr>
+      <p:sp>
+        <p:nvSpPr>
+          <p:cNvPr id="2" name="标题 1"/>
+          <p:cNvSpPr>
+            <a:spLocks noGrp="1"/>
+          </p:cNvSpPr>
+          <p:nvPr>
+            <p:ph type="title"/>
+          </p:nvPr>
+        </p:nvSpPr>
+        <p:spPr>
+          <a:xfrm>
+            <a:off x="639848" y="266474"/>
+            <a:ext cx="5599587" cy="536574"/>
+          </a:xfrm>
+        </p:spPr>
+        <p:txBody>
+          <a:bodyPr/>
+          <a:lstStyle/>
+          <a:p>
+            <a:r>
+              <a:rPr lang="en-US" altLang="zh-CN" sz="3200" dirty="0" smtClean="0">
+                <a:latin typeface="Times New Roman" panose="02020603050405020304" pitchFamily="18" charset="0"/>
+                <a:cs typeface="Times New Roman" panose="02020603050405020304" pitchFamily="18" charset="0"/>
+              </a:rPr>
+              <a:t>Siamese</a:t>
+            </a:r>
+            <a:r>
+              <a:rPr lang="en-US" altLang="zh-CN" sz="3200" dirty="0"/>
+              <a:t> </a:t>
+            </a:r>
+            <a:r>
+              <a:rPr lang="zh-CN" altLang="en-US" sz="3200" dirty="0" smtClean="0"/>
+              <a:t>孪生</a:t>
+            </a:r>
+            <a:r>
+              <a:rPr lang="zh-CN" altLang="en-US" sz="3200" dirty="0"/>
+              <a:t>神经网络</a:t>
+            </a:r>
+            <a:endParaRPr lang="zh-CN" altLang="en-US" sz="3200" dirty="0"/>
+          </a:p>
+        </p:txBody>
+      </p:sp>
+      <p:sp>
+        <p:nvSpPr>
+          <p:cNvPr id="3" name="矩形 2"/>
+          <p:cNvSpPr/>
+          <p:nvPr/>
+        </p:nvSpPr>
+        <p:spPr>
+          <a:xfrm>
+            <a:off x="639847" y="927010"/>
+            <a:ext cx="7222199" cy="1272271"/>
+          </a:xfrm>
+          <a:prstGeom prst="rect">
+            <a:avLst/>
+          </a:prstGeom>
+        </p:spPr>
+        <p:txBody>
+          <a:bodyPr wrap="square">
+            <a:spAutoFit/>
+          </a:bodyPr>
+          <a:lstStyle/>
+          <a:p>
+            <a:pPr marL="342900" indent="-342900">
+              <a:lnSpc>
+                <a:spcPct val="120000"/>
+              </a:lnSpc>
+              <a:buFont typeface="Wingdings" panose="05000000000000000000" pitchFamily="2" charset="2"/>
+              <a:buChar char="Ø"/>
+            </a:pPr>
+            <a:r>
+              <a:rPr lang="zh-CN" altLang="en-US" sz="2200" kern="100" dirty="0">
+                <a:latin typeface="Times New Roman" panose="02020603050405020304" pitchFamily="18" charset="0"/>
+                <a:cs typeface="Times New Roman" panose="02020603050405020304" pitchFamily="18" charset="0"/>
+              </a:rPr>
+              <a:t>两</a:t>
+            </a:r>
+            <a:r>
+              <a:rPr lang="zh-CN" altLang="en-US" sz="2200" kern="100" dirty="0">
+                <a:latin typeface="Times New Roman" panose="02020603050405020304" pitchFamily="18" charset="0"/>
+                <a:cs typeface="Times New Roman" panose="02020603050405020304" pitchFamily="18" charset="0"/>
+              </a:rPr>
+              <a:t>个相同的卷积神经网络并联，对图片进行编码</a:t>
+            </a:r>
+            <a:endParaRPr lang="en-US" altLang="zh-CN" sz="2200" kern="100" dirty="0">
+              <a:latin typeface="Times New Roman" panose="02020603050405020304" pitchFamily="18" charset="0"/>
+              <a:cs typeface="Times New Roman" panose="02020603050405020304" pitchFamily="18" charset="0"/>
+            </a:endParaRPr>
+          </a:p>
+          <a:p>
+            <a:pPr marL="342900" indent="-342900">
+              <a:lnSpc>
+                <a:spcPct val="120000"/>
+              </a:lnSpc>
+              <a:buFont typeface="Wingdings" panose="05000000000000000000" pitchFamily="2" charset="2"/>
+              <a:buChar char="Ø"/>
+            </a:pPr>
+            <a:r>
+              <a:rPr lang="zh-CN" altLang="en-US" sz="2200" kern="100" dirty="0">
+                <a:latin typeface="Times New Roman" panose="02020603050405020304" pitchFamily="18" charset="0"/>
+                <a:cs typeface="Times New Roman" panose="02020603050405020304" pitchFamily="18" charset="0"/>
+              </a:rPr>
+              <a:t>如果两张图片属于同一类别，编码的相似度高</a:t>
+            </a:r>
+            <a:endParaRPr lang="en-US" altLang="zh-CN" sz="2200" kern="100" dirty="0">
+              <a:latin typeface="Times New Roman" panose="02020603050405020304" pitchFamily="18" charset="0"/>
+              <a:cs typeface="Times New Roman" panose="02020603050405020304" pitchFamily="18" charset="0"/>
+            </a:endParaRPr>
+          </a:p>
+          <a:p>
+            <a:pPr marL="342900" indent="-342900">
+              <a:lnSpc>
+                <a:spcPct val="120000"/>
+              </a:lnSpc>
+              <a:buFont typeface="Wingdings" panose="05000000000000000000" pitchFamily="2" charset="2"/>
+              <a:buChar char="Ø"/>
+            </a:pPr>
+            <a:r>
+              <a:rPr lang="zh-CN" altLang="en-US" sz="2200" kern="100" dirty="0">
+                <a:latin typeface="Times New Roman" panose="02020603050405020304" pitchFamily="18" charset="0"/>
+                <a:cs typeface="Times New Roman" panose="02020603050405020304" pitchFamily="18" charset="0"/>
+              </a:rPr>
+              <a:t>如果两张图片不属于同一类别，编码的相似度低</a:t>
+            </a:r>
+            <a:endParaRPr lang="en-US" altLang="zh-CN" sz="2200" kern="100" dirty="0">
+              <a:latin typeface="Times New Roman" panose="02020603050405020304" pitchFamily="18" charset="0"/>
+              <a:cs typeface="Times New Roman" panose="02020603050405020304" pitchFamily="18" charset="0"/>
+            </a:endParaRPr>
+          </a:p>
+        </p:txBody>
+      </p:sp>
+      <p:pic>
+        <p:nvPicPr>
+          <p:cNvPr id="5" name="图片 4"/>
+          <p:cNvPicPr>
+            <a:picLocks noChangeAspect="1"/>
+          </p:cNvPicPr>
+          <p:nvPr/>
+        </p:nvPicPr>
+        <p:blipFill>
+          <a:blip r:embed="rId2" cstate="print">
+            <a:extLst>
+              <a:ext uri="{28A0092B-C50C-407E-A947-70E740481C1C}">
+                <a14:useLocalDpi xmlns:a14="http://schemas.microsoft.com/office/drawing/2010/main" val="0"/>
+              </a:ext>
+            </a:extLst>
+          </a:blip>
+          <a:stretch>
+            <a:fillRect/>
+          </a:stretch>
+        </p:blipFill>
+        <p:spPr>
+          <a:xfrm>
+            <a:off x="1842892" y="2468462"/>
+            <a:ext cx="4583025" cy="3602977"/>
+          </a:xfrm>
+          <a:prstGeom prst="rect">
+            <a:avLst/>
+          </a:prstGeom>
+        </p:spPr>
+      </p:pic>
+    </p:spTree>
+    <p:extLst>
+      <p:ext uri="{BB962C8B-B14F-4D97-AF65-F5344CB8AC3E}">
+        <p14:creationId xmlns:p14="http://schemas.microsoft.com/office/powerpoint/2010/main" val="376635534"/>
+      </p:ext>
+    </p:extLst>
+  </p:cSld>
+  <p:clrMapOvr>
+    <a:masterClrMapping/>
+  </p:clrMapOvr>
+  <p:timing>
+    <p:tnLst>
+      <p:par>
+        <p:cTn id="1" dur="indefinite" restart="never" nodeType="tmRoot"/>
+      </p:par>
+    </p:tnLst>
+  </p:timing>
+</p:sld>
+</file>
+
+<file path=ppt/slides/slide3.xml><?xml version="1.0" encoding="utf-8"?>
+<p:sld xmlns:a="http://schemas.openxmlformats.org/drawingml/2006/main" xmlns:r="http://schemas.openxmlformats.org/officeDocument/2006/relationships" xmlns:p="http://schemas.openxmlformats.org/presentationml/2006/main">
+  <p:cSld>
+    <p:spTree>
+      <p:nvGrpSpPr>
+        <p:cNvPr id="1" name=""/>
+        <p:cNvGrpSpPr/>
+        <p:nvPr/>
+      </p:nvGrpSpPr>
+      <p:grpSpPr>
+        <a:xfrm>
+          <a:off x="0" y="0"/>
+          <a:ext cx="0" cy="0"/>
+          <a:chOff x="0" y="0"/>
+          <a:chExt cx="0" cy="0"/>
+        </a:xfrm>
+      </p:grpSpPr>
+      <p:sp>
+        <p:nvSpPr>
+          <p:cNvPr id="2" name="标题 1"/>
+          <p:cNvSpPr>
+            <a:spLocks noGrp="1"/>
+          </p:cNvSpPr>
+          <p:nvPr>
+            <p:ph type="title"/>
+          </p:nvPr>
+        </p:nvSpPr>
+        <p:spPr/>
+        <p:txBody>
+          <a:bodyPr/>
+          <a:lstStyle/>
+          <a:p>
+            <a:r>
+              <a:rPr lang="zh-CN" altLang="en-US" dirty="0" smtClean="0"/>
+              <a:t>课题概述</a:t>
+            </a:r>
+            <a:endParaRPr lang="zh-CN" altLang="en-US" dirty="0"/>
+          </a:p>
+        </p:txBody>
+      </p:sp>
+      <p:sp>
+        <p:nvSpPr>
+          <p:cNvPr id="3" name="文本占位符 2"/>
+          <p:cNvSpPr>
+            <a:spLocks noGrp="1"/>
+          </p:cNvSpPr>
+          <p:nvPr>
+            <p:ph type="body" sz="quarter" idx="13"/>
+          </p:nvPr>
+        </p:nvSpPr>
+        <p:spPr/>
+        <p:txBody>
+          <a:bodyPr/>
+          <a:lstStyle/>
+          <a:p>
+            <a:r>
+              <a:rPr lang="en-US" altLang="zh-CN" dirty="0" smtClean="0"/>
+              <a:t>1</a:t>
+            </a:r>
+            <a:endParaRPr lang="zh-CN" altLang="en-US" dirty="0"/>
+          </a:p>
+        </p:txBody>
+      </p:sp>
+    </p:spTree>
+    <p:extLst>
+      <p:ext uri="{BB962C8B-B14F-4D97-AF65-F5344CB8AC3E}">
+        <p14:creationId xmlns:p14="http://schemas.microsoft.com/office/powerpoint/2010/main" val="1762165965"/>
+      </p:ext>
+    </p:extLst>
+  </p:cSld>
+  <p:clrMapOvr>
+    <a:masterClrMapping/>
+  </p:clrMapOvr>
+  <p:timing>
+    <p:tnLst>
+      <p:par>
+        <p:cTn id="1" dur="indefinite" restart="never" nodeType="tmRoot"/>
+      </p:par>
+    </p:tnLst>
+  </p:timing>
+</p:sld>
+</file>
+
+<file path=ppt/slides/slide30.xml><?xml version="1.0" encoding="utf-8"?>
 <p:sld xmlns:a="http://schemas.openxmlformats.org/drawingml/2006/main" xmlns:r="http://schemas.openxmlformats.org/officeDocument/2006/relationships" xmlns:p="http://schemas.openxmlformats.org/presentationml/2006/main">
   <p:cSld>
     <p:spTree>
@@ -19280,7 +19676,7 @@
 </p:sld>
 </file>
 
-<file path=ppt/slides/slide29.xml><?xml version="1.0" encoding="utf-8"?>
+<file path=ppt/slides/slide31.xml><?xml version="1.0" encoding="utf-8"?>
 <p:sld xmlns:a="http://schemas.openxmlformats.org/drawingml/2006/main" xmlns:r="http://schemas.openxmlformats.org/officeDocument/2006/relationships" xmlns:p="http://schemas.openxmlformats.org/presentationml/2006/main">
   <p:cSld>
     <p:spTree>
@@ -19380,89 +19776,6 @@
     <p:extLst>
       <p:ext uri="{BB962C8B-B14F-4D97-AF65-F5344CB8AC3E}">
         <p14:creationId xmlns:p14="http://schemas.microsoft.com/office/powerpoint/2010/main" val="1386305328"/>
-      </p:ext>
-    </p:extLst>
-  </p:cSld>
-  <p:clrMapOvr>
-    <a:masterClrMapping/>
-  </p:clrMapOvr>
-  <p:timing>
-    <p:tnLst>
-      <p:par>
-        <p:cTn id="1" dur="indefinite" restart="never" nodeType="tmRoot"/>
-      </p:par>
-    </p:tnLst>
-  </p:timing>
-</p:sld>
-</file>
-
-<file path=ppt/slides/slide3.xml><?xml version="1.0" encoding="utf-8"?>
-<p:sld xmlns:a="http://schemas.openxmlformats.org/drawingml/2006/main" xmlns:r="http://schemas.openxmlformats.org/officeDocument/2006/relationships" xmlns:p="http://schemas.openxmlformats.org/presentationml/2006/main">
-  <p:cSld>
-    <p:spTree>
-      <p:nvGrpSpPr>
-        <p:cNvPr id="1" name=""/>
-        <p:cNvGrpSpPr/>
-        <p:nvPr/>
-      </p:nvGrpSpPr>
-      <p:grpSpPr>
-        <a:xfrm>
-          <a:off x="0" y="0"/>
-          <a:ext cx="0" cy="0"/>
-          <a:chOff x="0" y="0"/>
-          <a:chExt cx="0" cy="0"/>
-        </a:xfrm>
-      </p:grpSpPr>
-      <p:sp>
-        <p:nvSpPr>
-          <p:cNvPr id="2" name="标题 1"/>
-          <p:cNvSpPr>
-            <a:spLocks noGrp="1"/>
-          </p:cNvSpPr>
-          <p:nvPr>
-            <p:ph type="title"/>
-          </p:nvPr>
-        </p:nvSpPr>
-        <p:spPr/>
-        <p:txBody>
-          <a:bodyPr/>
-          <a:lstStyle/>
-          <a:p>
-            <a:r>
-              <a:rPr lang="zh-CN" altLang="en-US" dirty="0" smtClean="0"/>
-              <a:t>课题概述</a:t>
-            </a:r>
-            <a:endParaRPr lang="zh-CN" altLang="en-US" dirty="0"/>
-          </a:p>
-        </p:txBody>
-      </p:sp>
-      <p:sp>
-        <p:nvSpPr>
-          <p:cNvPr id="3" name="文本占位符 2"/>
-          <p:cNvSpPr>
-            <a:spLocks noGrp="1"/>
-          </p:cNvSpPr>
-          <p:nvPr>
-            <p:ph type="body" sz="quarter" idx="13"/>
-          </p:nvPr>
-        </p:nvSpPr>
-        <p:spPr/>
-        <p:txBody>
-          <a:bodyPr/>
-          <a:lstStyle/>
-          <a:p>
-            <a:r>
-              <a:rPr lang="en-US" altLang="zh-CN" dirty="0" smtClean="0"/>
-              <a:t>1</a:t>
-            </a:r>
-            <a:endParaRPr lang="zh-CN" altLang="en-US" dirty="0"/>
-          </a:p>
-        </p:txBody>
-      </p:sp>
-    </p:spTree>
-    <p:extLst>
-      <p:ext uri="{BB962C8B-B14F-4D97-AF65-F5344CB8AC3E}">
-        <p14:creationId xmlns:p14="http://schemas.microsoft.com/office/powerpoint/2010/main" val="1762165965"/>
       </p:ext>
     </p:extLst>
   </p:cSld>
@@ -19803,7 +20116,6 @@
               <a:rPr lang="zh-CN" altLang="en-US" sz="3200" dirty="0"/>
               <a:t>课题概述</a:t>
             </a:r>
-            <a:endParaRPr lang="zh-CN" altLang="en-US" sz="3200" dirty="0"/>
           </a:p>
         </p:txBody>
       </p:sp>
@@ -19951,17 +20263,7 @@
                 <a:latin typeface="+mn-ea"/>
                 <a:cs typeface="Times New Roman" panose="02020603050405020304" pitchFamily="18" charset="0"/>
               </a:rPr>
-              <a:t>图像处理</a:t>
-            </a:r>
-            <a:r>
-              <a:rPr lang="zh-CN" altLang="zh-CN" sz="2200" b="1" kern="100" dirty="0" smtClean="0">
-                <a:solidFill>
-                  <a:srgbClr val="231F20"/>
-                </a:solidFill>
-                <a:latin typeface="+mn-ea"/>
-                <a:cs typeface="Times New Roman" panose="02020603050405020304" pitchFamily="18" charset="0"/>
-              </a:rPr>
-              <a:t>的检测算法研究。</a:t>
+              <a:t>图像处理的检测算法研究。</a:t>
             </a:r>
             <a:r>
               <a:rPr lang="zh-CN" altLang="zh-CN" sz="2200" kern="100" dirty="0">
@@ -20387,7 +20689,7 @@
                 <a:latin typeface="+mn-ea"/>
                 <a:cs typeface="Times New Roman" panose="02020603050405020304" pitchFamily="18" charset="0"/>
               </a:rPr>
-              <a:t>进行分类，使用基于卷积神经网络的深度学习算法进行分类，适合缺陷种类较多的复杂任务，但是运行时间较长。</a:t>
+              <a:t>进行分类，使用基于卷积神经网络的深度学习算法进行分类，适合缺陷种类较多的复杂任务，算法通用性好，但是运行时间较长。</a:t>
             </a:r>
             <a:endParaRPr lang="en-US" altLang="zh-CN" sz="2400" kern="100" dirty="0">
               <a:solidFill>
@@ -20452,12 +20754,16 @@
           <a:lstStyle/>
           <a:p>
             <a:r>
-              <a:rPr lang="zh-CN" altLang="en-US" dirty="0"/>
+              <a:rPr lang="zh-CN" altLang="en-US" dirty="0" smtClean="0"/>
               <a:t>视觉</a:t>
             </a:r>
             <a:r>
-              <a:rPr lang="zh-CN" altLang="en-US" dirty="0" smtClean="0"/>
-              <a:t>检测的硬件结构</a:t>
+              <a:rPr lang="zh-CN" altLang="zh-CN" dirty="0" smtClean="0"/>
+              <a:t>检测</a:t>
+            </a:r>
+            <a:r>
+              <a:rPr lang="zh-CN" altLang="zh-CN" dirty="0"/>
+              <a:t>系统设计</a:t>
             </a:r>
             <a:endParaRPr lang="zh-CN" altLang="en-US" dirty="0"/>
           </a:p>
@@ -20507,6 +20813,1035 @@
 </file>
 
 <file path=ppt/slides/slide8.xml><?xml version="1.0" encoding="utf-8"?>
+<p:sld xmlns:a="http://schemas.openxmlformats.org/drawingml/2006/main" xmlns:r="http://schemas.openxmlformats.org/officeDocument/2006/relationships" xmlns:p="http://schemas.openxmlformats.org/presentationml/2006/main">
+  <p:cSld>
+    <p:spTree>
+      <p:nvGrpSpPr>
+        <p:cNvPr id="1" name=""/>
+        <p:cNvGrpSpPr/>
+        <p:nvPr/>
+      </p:nvGrpSpPr>
+      <p:grpSpPr>
+        <a:xfrm>
+          <a:off x="0" y="0"/>
+          <a:ext cx="0" cy="0"/>
+          <a:chOff x="0" y="0"/>
+          <a:chExt cx="0" cy="0"/>
+        </a:xfrm>
+      </p:grpSpPr>
+      <p:sp>
+        <p:nvSpPr>
+          <p:cNvPr id="2" name="标题 1"/>
+          <p:cNvSpPr>
+            <a:spLocks noGrp="1"/>
+          </p:cNvSpPr>
+          <p:nvPr>
+            <p:ph type="title"/>
+          </p:nvPr>
+        </p:nvSpPr>
+        <p:spPr>
+          <a:xfrm>
+            <a:off x="639848" y="266474"/>
+            <a:ext cx="5608552" cy="536574"/>
+          </a:xfrm>
+        </p:spPr>
+        <p:txBody>
+          <a:bodyPr/>
+          <a:lstStyle/>
+          <a:p>
+            <a:r>
+              <a:rPr lang="zh-CN" altLang="en-US" sz="3200" dirty="0" smtClean="0"/>
+              <a:t>系统工作</a:t>
+            </a:r>
+            <a:r>
+              <a:rPr lang="zh-CN" altLang="en-US" sz="3200" dirty="0"/>
+              <a:t>流程</a:t>
+            </a:r>
+          </a:p>
+        </p:txBody>
+      </p:sp>
+      <p:sp>
+        <p:nvSpPr>
+          <p:cNvPr id="3" name="文本框 2"/>
+          <p:cNvSpPr txBox="1"/>
+          <p:nvPr/>
+        </p:nvSpPr>
+        <p:spPr>
+          <a:xfrm>
+            <a:off x="789421" y="3926040"/>
+            <a:ext cx="932330" cy="523220"/>
+          </a:xfrm>
+          <a:prstGeom prst="rect">
+            <a:avLst/>
+          </a:prstGeom>
+          <a:noFill/>
+        </p:spPr>
+        <p:txBody>
+          <a:bodyPr wrap="square" rtlCol="0">
+            <a:spAutoFit/>
+          </a:bodyPr>
+          <a:lstStyle/>
+          <a:p>
+            <a:r>
+              <a:rPr lang="en-US" altLang="zh-CN" sz="2800" dirty="0">
+                <a:latin typeface="Times New Roman" panose="02020603050405020304" pitchFamily="18" charset="0"/>
+                <a:cs typeface="Times New Roman" panose="02020603050405020304" pitchFamily="18" charset="0"/>
+              </a:rPr>
+              <a:t>PLC</a:t>
+            </a:r>
+            <a:endParaRPr lang="zh-CN" altLang="en-US" sz="2800" dirty="0">
+              <a:latin typeface="Times New Roman" panose="02020603050405020304" pitchFamily="18" charset="0"/>
+              <a:cs typeface="Times New Roman" panose="02020603050405020304" pitchFamily="18" charset="0"/>
+            </a:endParaRPr>
+          </a:p>
+        </p:txBody>
+      </p:sp>
+      <p:sp>
+        <p:nvSpPr>
+          <p:cNvPr id="4" name="文本框 3"/>
+          <p:cNvSpPr txBox="1"/>
+          <p:nvPr/>
+        </p:nvSpPr>
+        <p:spPr>
+          <a:xfrm>
+            <a:off x="3920930" y="2387331"/>
+            <a:ext cx="1577788" cy="523220"/>
+          </a:xfrm>
+          <a:prstGeom prst="rect">
+            <a:avLst/>
+          </a:prstGeom>
+          <a:noFill/>
+        </p:spPr>
+        <p:txBody>
+          <a:bodyPr wrap="square" rtlCol="0">
+            <a:spAutoFit/>
+          </a:bodyPr>
+          <a:lstStyle/>
+          <a:p>
+            <a:r>
+              <a:rPr lang="zh-CN" altLang="en-US" sz="2800" dirty="0">
+                <a:latin typeface="Times New Roman" panose="02020603050405020304" pitchFamily="18" charset="0"/>
+                <a:cs typeface="Times New Roman" panose="02020603050405020304" pitchFamily="18" charset="0"/>
+              </a:rPr>
+              <a:t>工控机</a:t>
+            </a:r>
+            <a:endParaRPr lang="zh-CN" altLang="en-US" sz="2800" dirty="0">
+              <a:latin typeface="Times New Roman" panose="02020603050405020304" pitchFamily="18" charset="0"/>
+              <a:cs typeface="Times New Roman" panose="02020603050405020304" pitchFamily="18" charset="0"/>
+            </a:endParaRPr>
+          </a:p>
+        </p:txBody>
+      </p:sp>
+      <p:sp>
+        <p:nvSpPr>
+          <p:cNvPr id="5" name="文本框 4"/>
+          <p:cNvSpPr txBox="1"/>
+          <p:nvPr/>
+        </p:nvSpPr>
+        <p:spPr>
+          <a:xfrm>
+            <a:off x="6949164" y="2234111"/>
+            <a:ext cx="2277036" cy="954107"/>
+          </a:xfrm>
+          <a:prstGeom prst="rect">
+            <a:avLst/>
+          </a:prstGeom>
+          <a:noFill/>
+        </p:spPr>
+        <p:txBody>
+          <a:bodyPr wrap="square" rtlCol="0">
+            <a:spAutoFit/>
+          </a:bodyPr>
+          <a:lstStyle/>
+          <a:p>
+            <a:r>
+              <a:rPr lang="en-US" altLang="zh-CN" sz="2800" dirty="0">
+                <a:latin typeface="Times New Roman" panose="02020603050405020304" pitchFamily="18" charset="0"/>
+                <a:cs typeface="Times New Roman" panose="02020603050405020304" pitchFamily="18" charset="0"/>
+              </a:rPr>
+              <a:t>web</a:t>
+            </a:r>
+            <a:r>
+              <a:rPr lang="zh-CN" altLang="en-US" sz="2800" dirty="0" smtClean="0">
+                <a:latin typeface="Times New Roman" panose="02020603050405020304" pitchFamily="18" charset="0"/>
+                <a:cs typeface="Times New Roman" panose="02020603050405020304" pitchFamily="18" charset="0"/>
+              </a:rPr>
+              <a:t>服务器</a:t>
+            </a:r>
+            <a:endParaRPr lang="en-US" altLang="zh-CN" sz="2800" dirty="0" smtClean="0">
+              <a:latin typeface="Times New Roman" panose="02020603050405020304" pitchFamily="18" charset="0"/>
+              <a:cs typeface="Times New Roman" panose="02020603050405020304" pitchFamily="18" charset="0"/>
+            </a:endParaRPr>
+          </a:p>
+          <a:p>
+            <a:r>
+              <a:rPr lang="zh-CN" altLang="en-US" sz="2800" dirty="0" smtClean="0">
+                <a:latin typeface="Times New Roman" panose="02020603050405020304" pitchFamily="18" charset="0"/>
+                <a:cs typeface="Times New Roman" panose="02020603050405020304" pitchFamily="18" charset="0"/>
+              </a:rPr>
+              <a:t>    数据库</a:t>
+            </a:r>
+            <a:endParaRPr lang="zh-CN" altLang="en-US" sz="2800" dirty="0">
+              <a:latin typeface="Times New Roman" panose="02020603050405020304" pitchFamily="18" charset="0"/>
+              <a:cs typeface="Times New Roman" panose="02020603050405020304" pitchFamily="18" charset="0"/>
+            </a:endParaRPr>
+          </a:p>
+        </p:txBody>
+      </p:sp>
+      <p:sp>
+        <p:nvSpPr>
+          <p:cNvPr id="6" name="文本框 5"/>
+          <p:cNvSpPr txBox="1"/>
+          <p:nvPr/>
+        </p:nvSpPr>
+        <p:spPr>
+          <a:xfrm>
+            <a:off x="6751885" y="4405779"/>
+            <a:ext cx="1111623" cy="523220"/>
+          </a:xfrm>
+          <a:prstGeom prst="rect">
+            <a:avLst/>
+          </a:prstGeom>
+          <a:noFill/>
+        </p:spPr>
+        <p:txBody>
+          <a:bodyPr wrap="square" rtlCol="0">
+            <a:spAutoFit/>
+          </a:bodyPr>
+          <a:lstStyle/>
+          <a:p>
+            <a:r>
+              <a:rPr lang="zh-CN" altLang="en-US" sz="2800" dirty="0">
+                <a:latin typeface="Times New Roman" panose="02020603050405020304" pitchFamily="18" charset="0"/>
+                <a:cs typeface="Times New Roman" panose="02020603050405020304" pitchFamily="18" charset="0"/>
+              </a:rPr>
+              <a:t>电脑</a:t>
+            </a:r>
+            <a:endParaRPr lang="zh-CN" altLang="en-US" sz="2800" dirty="0">
+              <a:latin typeface="Times New Roman" panose="02020603050405020304" pitchFamily="18" charset="0"/>
+              <a:cs typeface="Times New Roman" panose="02020603050405020304" pitchFamily="18" charset="0"/>
+            </a:endParaRPr>
+          </a:p>
+        </p:txBody>
+      </p:sp>
+      <p:pic>
+        <p:nvPicPr>
+          <p:cNvPr id="10" name="图片 9"/>
+          <p:cNvPicPr>
+            <a:picLocks noChangeAspect="1"/>
+          </p:cNvPicPr>
+          <p:nvPr/>
+        </p:nvPicPr>
+        <p:blipFill>
+          <a:blip r:embed="rId2" cstate="print">
+            <a:extLst>
+              <a:ext uri="{28A0092B-C50C-407E-A947-70E740481C1C}">
+                <a14:useLocalDpi xmlns:a14="http://schemas.microsoft.com/office/drawing/2010/main" val="0"/>
+              </a:ext>
+            </a:extLst>
+          </a:blip>
+          <a:stretch>
+            <a:fillRect/>
+          </a:stretch>
+        </p:blipFill>
+        <p:spPr>
+          <a:xfrm>
+            <a:off x="7227015" y="688372"/>
+            <a:ext cx="1453960" cy="1456197"/>
+          </a:xfrm>
+          <a:prstGeom prst="rect">
+            <a:avLst/>
+          </a:prstGeom>
+        </p:spPr>
+      </p:pic>
+      <p:pic>
+        <p:nvPicPr>
+          <p:cNvPr id="11" name="图片 10"/>
+          <p:cNvPicPr>
+            <a:picLocks noChangeAspect="1"/>
+          </p:cNvPicPr>
+          <p:nvPr/>
+        </p:nvPicPr>
+        <p:blipFill>
+          <a:blip r:embed="rId3" cstate="print">
+            <a:extLst>
+              <a:ext uri="{28A0092B-C50C-407E-A947-70E740481C1C}">
+                <a14:useLocalDpi xmlns:a14="http://schemas.microsoft.com/office/drawing/2010/main" val="0"/>
+              </a:ext>
+            </a:extLst>
+          </a:blip>
+          <a:stretch>
+            <a:fillRect/>
+          </a:stretch>
+        </p:blipFill>
+        <p:spPr>
+          <a:xfrm>
+            <a:off x="3743876" y="707277"/>
+            <a:ext cx="1576587" cy="1576587"/>
+          </a:xfrm>
+          <a:prstGeom prst="rect">
+            <a:avLst/>
+          </a:prstGeom>
+        </p:spPr>
+      </p:pic>
+      <p:pic>
+        <p:nvPicPr>
+          <p:cNvPr id="12" name="图片 11"/>
+          <p:cNvPicPr>
+            <a:picLocks noChangeAspect="1"/>
+          </p:cNvPicPr>
+          <p:nvPr/>
+        </p:nvPicPr>
+        <p:blipFill>
+          <a:blip r:embed="rId4" cstate="print">
+            <a:extLst>
+              <a:ext uri="{28A0092B-C50C-407E-A947-70E740481C1C}">
+                <a14:useLocalDpi xmlns:a14="http://schemas.microsoft.com/office/drawing/2010/main" val="0"/>
+              </a:ext>
+            </a:extLst>
+          </a:blip>
+          <a:stretch>
+            <a:fillRect/>
+          </a:stretch>
+        </p:blipFill>
+        <p:spPr>
+          <a:xfrm>
+            <a:off x="6514322" y="4915935"/>
+            <a:ext cx="1425386" cy="1425386"/>
+          </a:xfrm>
+          <a:prstGeom prst="rect">
+            <a:avLst/>
+          </a:prstGeom>
+        </p:spPr>
+      </p:pic>
+      <p:pic>
+        <p:nvPicPr>
+          <p:cNvPr id="13" name="图片 12"/>
+          <p:cNvPicPr>
+            <a:picLocks noChangeAspect="1"/>
+          </p:cNvPicPr>
+          <p:nvPr/>
+        </p:nvPicPr>
+        <p:blipFill>
+          <a:blip r:embed="rId5" cstate="print">
+            <a:extLst>
+              <a:ext uri="{28A0092B-C50C-407E-A947-70E740481C1C}">
+                <a14:useLocalDpi xmlns:a14="http://schemas.microsoft.com/office/drawing/2010/main" val="0"/>
+              </a:ext>
+            </a:extLst>
+          </a:blip>
+          <a:stretch>
+            <a:fillRect/>
+          </a:stretch>
+        </p:blipFill>
+        <p:spPr>
+          <a:xfrm>
+            <a:off x="218943" y="2436831"/>
+            <a:ext cx="2073286" cy="1374956"/>
+          </a:xfrm>
+          <a:prstGeom prst="rect">
+            <a:avLst/>
+          </a:prstGeom>
+        </p:spPr>
+      </p:pic>
+      <p:pic>
+        <p:nvPicPr>
+          <p:cNvPr id="14" name="图片 13"/>
+          <p:cNvPicPr>
+            <a:picLocks noChangeAspect="1"/>
+          </p:cNvPicPr>
+          <p:nvPr/>
+        </p:nvPicPr>
+        <p:blipFill>
+          <a:blip r:embed="rId6" cstate="print">
+            <a:extLst>
+              <a:ext uri="{28A0092B-C50C-407E-A947-70E740481C1C}">
+                <a14:useLocalDpi xmlns:a14="http://schemas.microsoft.com/office/drawing/2010/main" val="0"/>
+              </a:ext>
+            </a:extLst>
+          </a:blip>
+          <a:stretch>
+            <a:fillRect/>
+          </a:stretch>
+        </p:blipFill>
+        <p:spPr>
+          <a:xfrm>
+            <a:off x="3652758" y="4942064"/>
+            <a:ext cx="2114132" cy="1399257"/>
+          </a:xfrm>
+          <a:prstGeom prst="rect">
+            <a:avLst/>
+          </a:prstGeom>
+        </p:spPr>
+      </p:pic>
+      <p:sp>
+        <p:nvSpPr>
+          <p:cNvPr id="15" name="文本框 14"/>
+          <p:cNvSpPr txBox="1"/>
+          <p:nvPr/>
+        </p:nvSpPr>
+        <p:spPr>
+          <a:xfrm>
+            <a:off x="3874133" y="4364329"/>
+            <a:ext cx="1892757" cy="523220"/>
+          </a:xfrm>
+          <a:prstGeom prst="rect">
+            <a:avLst/>
+          </a:prstGeom>
+          <a:noFill/>
+        </p:spPr>
+        <p:txBody>
+          <a:bodyPr wrap="square" rtlCol="0">
+            <a:spAutoFit/>
+          </a:bodyPr>
+          <a:lstStyle/>
+          <a:p>
+            <a:r>
+              <a:rPr lang="zh-CN" altLang="en-US" sz="2800" dirty="0">
+                <a:latin typeface="Times New Roman" panose="02020603050405020304" pitchFamily="18" charset="0"/>
+                <a:cs typeface="Times New Roman" panose="02020603050405020304" pitchFamily="18" charset="0"/>
+              </a:rPr>
+              <a:t>工业相机</a:t>
+            </a:r>
+            <a:endParaRPr lang="zh-CN" altLang="en-US" sz="2800" dirty="0">
+              <a:latin typeface="Times New Roman" panose="02020603050405020304" pitchFamily="18" charset="0"/>
+              <a:cs typeface="Times New Roman" panose="02020603050405020304" pitchFamily="18" charset="0"/>
+            </a:endParaRPr>
+          </a:p>
+        </p:txBody>
+      </p:sp>
+      <p:cxnSp>
+        <p:nvCxnSpPr>
+          <p:cNvPr id="22" name="肘形连接符 21"/>
+          <p:cNvCxnSpPr/>
+          <p:nvPr/>
+        </p:nvCxnSpPr>
+        <p:spPr>
+          <a:xfrm flipV="1">
+            <a:off x="1076325" y="1404252"/>
+            <a:ext cx="2548877" cy="829859"/>
+          </a:xfrm>
+          <a:prstGeom prst="bentConnector3">
+            <a:avLst>
+              <a:gd name="adj1" fmla="val 299"/>
+            </a:avLst>
+          </a:prstGeom>
+          <a:ln w="19050">
+            <a:solidFill>
+              <a:srgbClr val="0070C0"/>
+            </a:solidFill>
+            <a:tailEnd type="triangle"/>
+          </a:ln>
+        </p:spPr>
+        <p:style>
+          <a:lnRef idx="1">
+            <a:schemeClr val="accent1"/>
+          </a:lnRef>
+          <a:fillRef idx="0">
+            <a:schemeClr val="accent1"/>
+          </a:fillRef>
+          <a:effectRef idx="0">
+            <a:schemeClr val="accent1"/>
+          </a:effectRef>
+          <a:fontRef idx="minor">
+            <a:schemeClr val="tx1"/>
+          </a:fontRef>
+        </p:style>
+      </p:cxnSp>
+      <p:cxnSp>
+        <p:nvCxnSpPr>
+          <p:cNvPr id="32" name="肘形连接符 31"/>
+          <p:cNvCxnSpPr/>
+          <p:nvPr/>
+        </p:nvCxnSpPr>
+        <p:spPr>
+          <a:xfrm rot="10800000" flipV="1">
+            <a:off x="1419226" y="1628773"/>
+            <a:ext cx="2233537" cy="605337"/>
+          </a:xfrm>
+          <a:prstGeom prst="bentConnector3">
+            <a:avLst>
+              <a:gd name="adj1" fmla="val 99895"/>
+            </a:avLst>
+          </a:prstGeom>
+          <a:ln w="19050">
+            <a:solidFill>
+              <a:srgbClr val="0070C0"/>
+            </a:solidFill>
+            <a:tailEnd type="triangle"/>
+          </a:ln>
+        </p:spPr>
+        <p:style>
+          <a:lnRef idx="1">
+            <a:schemeClr val="accent1"/>
+          </a:lnRef>
+          <a:fillRef idx="0">
+            <a:schemeClr val="accent1"/>
+          </a:fillRef>
+          <a:effectRef idx="0">
+            <a:schemeClr val="accent1"/>
+          </a:effectRef>
+          <a:fontRef idx="minor">
+            <a:schemeClr val="tx1"/>
+          </a:fontRef>
+        </p:style>
+      </p:cxnSp>
+      <p:sp>
+        <p:nvSpPr>
+          <p:cNvPr id="41" name="文本框 40"/>
+          <p:cNvSpPr txBox="1"/>
+          <p:nvPr/>
+        </p:nvSpPr>
+        <p:spPr>
+          <a:xfrm>
+            <a:off x="1276566" y="907877"/>
+            <a:ext cx="2031325" cy="461665"/>
+          </a:xfrm>
+          <a:prstGeom prst="rect">
+            <a:avLst/>
+          </a:prstGeom>
+          <a:noFill/>
+        </p:spPr>
+        <p:txBody>
+          <a:bodyPr wrap="none" rtlCol="0">
+            <a:spAutoFit/>
+          </a:bodyPr>
+          <a:lstStyle/>
+          <a:p>
+            <a:r>
+              <a:rPr lang="zh-CN" altLang="en-US" sz="2400" dirty="0" smtClean="0"/>
+              <a:t>工位就绪信号</a:t>
+            </a:r>
+            <a:endParaRPr lang="zh-CN" altLang="en-US" sz="2400" dirty="0"/>
+          </a:p>
+        </p:txBody>
+      </p:sp>
+      <p:cxnSp>
+        <p:nvCxnSpPr>
+          <p:cNvPr id="45" name="直接箭头连接符 44"/>
+          <p:cNvCxnSpPr/>
+          <p:nvPr/>
+        </p:nvCxnSpPr>
+        <p:spPr>
+          <a:xfrm>
+            <a:off x="4429125" y="2910551"/>
+            <a:ext cx="0" cy="1404826"/>
+          </a:xfrm>
+          <a:prstGeom prst="straightConnector1">
+            <a:avLst/>
+          </a:prstGeom>
+          <a:ln w="19050">
+            <a:solidFill>
+              <a:srgbClr val="0070C0"/>
+            </a:solidFill>
+            <a:tailEnd type="triangle"/>
+          </a:ln>
+        </p:spPr>
+        <p:style>
+          <a:lnRef idx="1">
+            <a:schemeClr val="accent1"/>
+          </a:lnRef>
+          <a:fillRef idx="0">
+            <a:schemeClr val="accent1"/>
+          </a:fillRef>
+          <a:effectRef idx="0">
+            <a:schemeClr val="accent1"/>
+          </a:effectRef>
+          <a:fontRef idx="minor">
+            <a:schemeClr val="tx1"/>
+          </a:fontRef>
+        </p:style>
+      </p:cxnSp>
+      <p:cxnSp>
+        <p:nvCxnSpPr>
+          <p:cNvPr id="47" name="直接箭头连接符 46"/>
+          <p:cNvCxnSpPr/>
+          <p:nvPr/>
+        </p:nvCxnSpPr>
+        <p:spPr>
+          <a:xfrm flipH="1" flipV="1">
+            <a:off x="4729735" y="2883513"/>
+            <a:ext cx="1" cy="1453777"/>
+          </a:xfrm>
+          <a:prstGeom prst="straightConnector1">
+            <a:avLst/>
+          </a:prstGeom>
+          <a:ln w="19050">
+            <a:solidFill>
+              <a:srgbClr val="0070C0"/>
+            </a:solidFill>
+            <a:tailEnd type="triangle"/>
+          </a:ln>
+        </p:spPr>
+        <p:style>
+          <a:lnRef idx="1">
+            <a:schemeClr val="accent1"/>
+          </a:lnRef>
+          <a:fillRef idx="0">
+            <a:schemeClr val="accent1"/>
+          </a:fillRef>
+          <a:effectRef idx="0">
+            <a:schemeClr val="accent1"/>
+          </a:effectRef>
+          <a:fontRef idx="minor">
+            <a:schemeClr val="tx1"/>
+          </a:fontRef>
+        </p:style>
+      </p:cxnSp>
+      <p:cxnSp>
+        <p:nvCxnSpPr>
+          <p:cNvPr id="50" name="直接箭头连接符 49"/>
+          <p:cNvCxnSpPr/>
+          <p:nvPr/>
+        </p:nvCxnSpPr>
+        <p:spPr>
+          <a:xfrm>
+            <a:off x="5621072" y="1369542"/>
+            <a:ext cx="1515428" cy="0"/>
+          </a:xfrm>
+          <a:prstGeom prst="straightConnector1">
+            <a:avLst/>
+          </a:prstGeom>
+          <a:ln w="19050">
+            <a:solidFill>
+              <a:srgbClr val="0070C0"/>
+            </a:solidFill>
+            <a:tailEnd type="triangle"/>
+          </a:ln>
+        </p:spPr>
+        <p:style>
+          <a:lnRef idx="1">
+            <a:schemeClr val="accent1"/>
+          </a:lnRef>
+          <a:fillRef idx="0">
+            <a:schemeClr val="accent1"/>
+          </a:fillRef>
+          <a:effectRef idx="0">
+            <a:schemeClr val="accent1"/>
+          </a:effectRef>
+          <a:fontRef idx="minor">
+            <a:schemeClr val="tx1"/>
+          </a:fontRef>
+        </p:style>
+      </p:cxnSp>
+      <p:cxnSp>
+        <p:nvCxnSpPr>
+          <p:cNvPr id="52" name="直接箭头连接符 51"/>
+          <p:cNvCxnSpPr/>
+          <p:nvPr/>
+        </p:nvCxnSpPr>
+        <p:spPr>
+          <a:xfrm flipV="1">
+            <a:off x="7317527" y="3132349"/>
+            <a:ext cx="239166" cy="1329299"/>
+          </a:xfrm>
+          <a:prstGeom prst="straightConnector1">
+            <a:avLst/>
+          </a:prstGeom>
+          <a:ln w="19050">
+            <a:solidFill>
+              <a:srgbClr val="0070C0"/>
+            </a:solidFill>
+            <a:tailEnd type="triangle"/>
+          </a:ln>
+        </p:spPr>
+        <p:style>
+          <a:lnRef idx="1">
+            <a:schemeClr val="accent1"/>
+          </a:lnRef>
+          <a:fillRef idx="0">
+            <a:schemeClr val="accent1"/>
+          </a:fillRef>
+          <a:effectRef idx="0">
+            <a:schemeClr val="accent1"/>
+          </a:effectRef>
+          <a:fontRef idx="minor">
+            <a:schemeClr val="tx1"/>
+          </a:fontRef>
+        </p:style>
+      </p:cxnSp>
+      <p:sp>
+        <p:nvSpPr>
+          <p:cNvPr id="54" name="文本框 53"/>
+          <p:cNvSpPr txBox="1"/>
+          <p:nvPr/>
+        </p:nvSpPr>
+        <p:spPr>
+          <a:xfrm>
+            <a:off x="2115175" y="1651648"/>
+            <a:ext cx="1415772" cy="461665"/>
+          </a:xfrm>
+          <a:prstGeom prst="rect">
+            <a:avLst/>
+          </a:prstGeom>
+          <a:noFill/>
+        </p:spPr>
+        <p:txBody>
+          <a:bodyPr wrap="none" rtlCol="0">
+            <a:spAutoFit/>
+          </a:bodyPr>
+          <a:lstStyle/>
+          <a:p>
+            <a:r>
+              <a:rPr lang="zh-CN" altLang="en-US" sz="2400" dirty="0" smtClean="0"/>
+              <a:t>检测结果</a:t>
+            </a:r>
+            <a:endParaRPr lang="zh-CN" altLang="en-US" sz="2400" dirty="0"/>
+          </a:p>
+        </p:txBody>
+      </p:sp>
+      <p:sp>
+        <p:nvSpPr>
+          <p:cNvPr id="56" name="文本框 55"/>
+          <p:cNvSpPr txBox="1"/>
+          <p:nvPr/>
+        </p:nvSpPr>
+        <p:spPr>
+          <a:xfrm>
+            <a:off x="3151623" y="3192657"/>
+            <a:ext cx="1107996" cy="830997"/>
+          </a:xfrm>
+          <a:prstGeom prst="rect">
+            <a:avLst/>
+          </a:prstGeom>
+          <a:noFill/>
+        </p:spPr>
+        <p:txBody>
+          <a:bodyPr wrap="none" rtlCol="0">
+            <a:spAutoFit/>
+          </a:bodyPr>
+          <a:lstStyle/>
+          <a:p>
+            <a:r>
+              <a:rPr lang="zh-CN" altLang="en-US" sz="2400" dirty="0" smtClean="0"/>
+              <a:t>相机触</a:t>
+            </a:r>
+            <a:endParaRPr lang="en-US" altLang="zh-CN" sz="2400" dirty="0" smtClean="0"/>
+          </a:p>
+          <a:p>
+            <a:r>
+              <a:rPr lang="zh-CN" altLang="en-US" sz="2400" dirty="0" smtClean="0"/>
+              <a:t>发信号</a:t>
+            </a:r>
+            <a:endParaRPr lang="zh-CN" altLang="en-US" sz="2400" dirty="0"/>
+          </a:p>
+        </p:txBody>
+      </p:sp>
+      <p:sp>
+        <p:nvSpPr>
+          <p:cNvPr id="57" name="文本框 56"/>
+          <p:cNvSpPr txBox="1"/>
+          <p:nvPr/>
+        </p:nvSpPr>
+        <p:spPr>
+          <a:xfrm>
+            <a:off x="4966671" y="3205579"/>
+            <a:ext cx="800219" cy="830997"/>
+          </a:xfrm>
+          <a:prstGeom prst="rect">
+            <a:avLst/>
+          </a:prstGeom>
+          <a:noFill/>
+        </p:spPr>
+        <p:txBody>
+          <a:bodyPr wrap="none" rtlCol="0">
+            <a:spAutoFit/>
+          </a:bodyPr>
+          <a:lstStyle/>
+          <a:p>
+            <a:r>
+              <a:rPr lang="zh-CN" altLang="en-US" sz="2400" dirty="0" smtClean="0"/>
+              <a:t>数据</a:t>
+            </a:r>
+            <a:endParaRPr lang="en-US" altLang="zh-CN" sz="2400" dirty="0" smtClean="0"/>
+          </a:p>
+          <a:p>
+            <a:r>
+              <a:rPr lang="zh-CN" altLang="en-US" sz="2400" dirty="0" smtClean="0"/>
+              <a:t>传输</a:t>
+            </a:r>
+            <a:endParaRPr lang="zh-CN" altLang="en-US" sz="2400" dirty="0"/>
+          </a:p>
+        </p:txBody>
+      </p:sp>
+      <p:sp>
+        <p:nvSpPr>
+          <p:cNvPr id="58" name="文本框 57"/>
+          <p:cNvSpPr txBox="1"/>
+          <p:nvPr/>
+        </p:nvSpPr>
+        <p:spPr>
+          <a:xfrm>
+            <a:off x="5591192" y="803048"/>
+            <a:ext cx="1415772" cy="461665"/>
+          </a:xfrm>
+          <a:prstGeom prst="rect">
+            <a:avLst/>
+          </a:prstGeom>
+          <a:noFill/>
+        </p:spPr>
+        <p:txBody>
+          <a:bodyPr wrap="none" rtlCol="0">
+            <a:spAutoFit/>
+          </a:bodyPr>
+          <a:lstStyle/>
+          <a:p>
+            <a:r>
+              <a:rPr lang="zh-CN" altLang="en-US" sz="2400" dirty="0" smtClean="0"/>
+              <a:t>检测结果</a:t>
+            </a:r>
+            <a:endParaRPr lang="zh-CN" altLang="en-US" sz="2400" dirty="0"/>
+          </a:p>
+        </p:txBody>
+      </p:sp>
+      <p:sp>
+        <p:nvSpPr>
+          <p:cNvPr id="59" name="文本框 58"/>
+          <p:cNvSpPr txBox="1"/>
+          <p:nvPr/>
+        </p:nvSpPr>
+        <p:spPr>
+          <a:xfrm>
+            <a:off x="7591227" y="3440476"/>
+            <a:ext cx="800219" cy="830997"/>
+          </a:xfrm>
+          <a:prstGeom prst="rect">
+            <a:avLst/>
+          </a:prstGeom>
+          <a:noFill/>
+        </p:spPr>
+        <p:txBody>
+          <a:bodyPr wrap="none" rtlCol="0">
+            <a:spAutoFit/>
+          </a:bodyPr>
+          <a:lstStyle/>
+          <a:p>
+            <a:r>
+              <a:rPr lang="zh-CN" altLang="en-US" sz="2400" dirty="0" smtClean="0"/>
+              <a:t>远程</a:t>
+            </a:r>
+            <a:endParaRPr lang="en-US" altLang="zh-CN" sz="2400" dirty="0" smtClean="0"/>
+          </a:p>
+          <a:p>
+            <a:r>
+              <a:rPr lang="zh-CN" altLang="en-US" sz="2400" dirty="0" smtClean="0"/>
+              <a:t>查询</a:t>
+            </a:r>
+            <a:endParaRPr lang="zh-CN" altLang="en-US" sz="2400" dirty="0"/>
+          </a:p>
+        </p:txBody>
+      </p:sp>
+      <p:sp>
+        <p:nvSpPr>
+          <p:cNvPr id="60" name="文本框 59"/>
+          <p:cNvSpPr txBox="1"/>
+          <p:nvPr/>
+        </p:nvSpPr>
+        <p:spPr>
+          <a:xfrm>
+            <a:off x="934150" y="885460"/>
+            <a:ext cx="411795" cy="461665"/>
+          </a:xfrm>
+          <a:prstGeom prst="rect">
+            <a:avLst/>
+          </a:prstGeom>
+          <a:noFill/>
+        </p:spPr>
+        <p:txBody>
+          <a:bodyPr wrap="square" rtlCol="0">
+            <a:spAutoFit/>
+          </a:bodyPr>
+          <a:lstStyle/>
+          <a:p>
+            <a:r>
+              <a:rPr lang="en-US" altLang="zh-CN" sz="2400" dirty="0" smtClean="0">
+                <a:solidFill>
+                  <a:srgbClr val="FF0000"/>
+                </a:solidFill>
+              </a:rPr>
+              <a:t>1</a:t>
+            </a:r>
+            <a:endParaRPr lang="zh-CN" altLang="en-US" sz="2400" dirty="0">
+              <a:solidFill>
+                <a:srgbClr val="FF0000"/>
+              </a:solidFill>
+            </a:endParaRPr>
+          </a:p>
+        </p:txBody>
+      </p:sp>
+      <p:sp>
+        <p:nvSpPr>
+          <p:cNvPr id="61" name="文本框 60"/>
+          <p:cNvSpPr txBox="1"/>
+          <p:nvPr/>
+        </p:nvSpPr>
+        <p:spPr>
+          <a:xfrm>
+            <a:off x="3550935" y="2779920"/>
+            <a:ext cx="411795" cy="461665"/>
+          </a:xfrm>
+          <a:prstGeom prst="rect">
+            <a:avLst/>
+          </a:prstGeom>
+          <a:noFill/>
+        </p:spPr>
+        <p:txBody>
+          <a:bodyPr wrap="square" rtlCol="0">
+            <a:spAutoFit/>
+          </a:bodyPr>
+          <a:lstStyle/>
+          <a:p>
+            <a:r>
+              <a:rPr lang="en-US" altLang="zh-CN" sz="2400" dirty="0">
+                <a:solidFill>
+                  <a:srgbClr val="FF0000"/>
+                </a:solidFill>
+              </a:rPr>
+              <a:t>2</a:t>
+            </a:r>
+            <a:endParaRPr lang="zh-CN" altLang="en-US" sz="2400" dirty="0">
+              <a:solidFill>
+                <a:srgbClr val="FF0000"/>
+              </a:solidFill>
+            </a:endParaRPr>
+          </a:p>
+        </p:txBody>
+      </p:sp>
+      <p:sp>
+        <p:nvSpPr>
+          <p:cNvPr id="62" name="文本框 61"/>
+          <p:cNvSpPr txBox="1"/>
+          <p:nvPr/>
+        </p:nvSpPr>
+        <p:spPr>
+          <a:xfrm>
+            <a:off x="5196131" y="2776639"/>
+            <a:ext cx="411795" cy="461665"/>
+          </a:xfrm>
+          <a:prstGeom prst="rect">
+            <a:avLst/>
+          </a:prstGeom>
+          <a:noFill/>
+        </p:spPr>
+        <p:txBody>
+          <a:bodyPr wrap="square" rtlCol="0">
+            <a:spAutoFit/>
+          </a:bodyPr>
+          <a:lstStyle/>
+          <a:p>
+            <a:r>
+              <a:rPr lang="en-US" altLang="zh-CN" sz="2400" dirty="0" smtClean="0">
+                <a:solidFill>
+                  <a:srgbClr val="FF0000"/>
+                </a:solidFill>
+              </a:rPr>
+              <a:t>3</a:t>
+            </a:r>
+            <a:endParaRPr lang="zh-CN" altLang="en-US" sz="2400" dirty="0">
+              <a:solidFill>
+                <a:srgbClr val="FF0000"/>
+              </a:solidFill>
+            </a:endParaRPr>
+          </a:p>
+        </p:txBody>
+      </p:sp>
+      <p:sp>
+        <p:nvSpPr>
+          <p:cNvPr id="63" name="文本框 62"/>
+          <p:cNvSpPr txBox="1"/>
+          <p:nvPr/>
+        </p:nvSpPr>
+        <p:spPr>
+          <a:xfrm>
+            <a:off x="1799252" y="1661146"/>
+            <a:ext cx="411795" cy="461665"/>
+          </a:xfrm>
+          <a:prstGeom prst="rect">
+            <a:avLst/>
+          </a:prstGeom>
+          <a:noFill/>
+        </p:spPr>
+        <p:txBody>
+          <a:bodyPr wrap="square" rtlCol="0">
+            <a:spAutoFit/>
+          </a:bodyPr>
+          <a:lstStyle/>
+          <a:p>
+            <a:r>
+              <a:rPr lang="en-US" altLang="zh-CN" sz="2400" dirty="0">
+                <a:solidFill>
+                  <a:srgbClr val="FF0000"/>
+                </a:solidFill>
+              </a:rPr>
+              <a:t>4</a:t>
+            </a:r>
+            <a:endParaRPr lang="zh-CN" altLang="en-US" sz="2400" dirty="0">
+              <a:solidFill>
+                <a:srgbClr val="FF0000"/>
+              </a:solidFill>
+            </a:endParaRPr>
+          </a:p>
+        </p:txBody>
+      </p:sp>
+      <p:sp>
+        <p:nvSpPr>
+          <p:cNvPr id="64" name="文本框 63"/>
+          <p:cNvSpPr txBox="1"/>
+          <p:nvPr/>
+        </p:nvSpPr>
+        <p:spPr>
+          <a:xfrm>
+            <a:off x="6248400" y="1523591"/>
+            <a:ext cx="411795" cy="461665"/>
+          </a:xfrm>
+          <a:prstGeom prst="rect">
+            <a:avLst/>
+          </a:prstGeom>
+          <a:noFill/>
+        </p:spPr>
+        <p:txBody>
+          <a:bodyPr wrap="square" rtlCol="0">
+            <a:spAutoFit/>
+          </a:bodyPr>
+          <a:lstStyle/>
+          <a:p>
+            <a:r>
+              <a:rPr lang="en-US" altLang="zh-CN" sz="2400" dirty="0">
+                <a:solidFill>
+                  <a:srgbClr val="FF0000"/>
+                </a:solidFill>
+              </a:rPr>
+              <a:t>4</a:t>
+            </a:r>
+            <a:endParaRPr lang="zh-CN" altLang="en-US" sz="2400" dirty="0">
+              <a:solidFill>
+                <a:srgbClr val="FF0000"/>
+              </a:solidFill>
+            </a:endParaRPr>
+          </a:p>
+        </p:txBody>
+      </p:sp>
+    </p:spTree>
+    <p:extLst>
+      <p:ext uri="{BB962C8B-B14F-4D97-AF65-F5344CB8AC3E}">
+        <p14:creationId xmlns:p14="http://schemas.microsoft.com/office/powerpoint/2010/main" val="2456931925"/>
+      </p:ext>
+    </p:extLst>
+  </p:cSld>
+  <p:clrMapOvr>
+    <a:masterClrMapping/>
+  </p:clrMapOvr>
+  <p:timing>
+    <p:tnLst>
+      <p:par>
+        <p:cTn id="1" dur="indefinite" restart="never" nodeType="tmRoot"/>
+      </p:par>
+    </p:tnLst>
+  </p:timing>
+</p:sld>
+</file>
+
+<file path=ppt/slides/slide9.xml><?xml version="1.0" encoding="utf-8"?>
 <p:sld xmlns:a="http://schemas.openxmlformats.org/drawingml/2006/main" xmlns:r="http://schemas.openxmlformats.org/officeDocument/2006/relationships" xmlns:p="http://schemas.openxmlformats.org/presentationml/2006/main">
   <p:cSld>
     <p:spTree>
@@ -20652,7 +21987,17 @@
                 <a:latin typeface="+mn-ea"/>
                 <a:cs typeface="Times New Roman" panose="02020603050405020304" pitchFamily="18" charset="0"/>
               </a:rPr>
-              <a:t>一个工位有四个装配体，相机固定</a:t>
+              <a:t>一个工位有四个装配体，相机</a:t>
+            </a:r>
+            <a:r>
+              <a:rPr lang="zh-CN" altLang="en-US" sz="2000" kern="100" dirty="0" smtClean="0">
+                <a:solidFill>
+                  <a:srgbClr val="231F20"/>
+                </a:solidFill>
+                <a:latin typeface="+mn-ea"/>
+                <a:cs typeface="Times New Roman" panose="02020603050405020304" pitchFamily="18" charset="0"/>
+              </a:rPr>
+              <a:t>固定，每个装配体成像一样</a:t>
             </a:r>
             <a:endParaRPr lang="en-US" altLang="zh-CN" sz="2000" kern="100" dirty="0">
               <a:solidFill>
@@ -20711,7 +22056,7 @@
               <a:t>相机：</a:t>
             </a:r>
             <a:r>
-              <a:rPr lang="en-US" altLang="zh-CN" sz="2000" kern="100" dirty="0">
+              <a:rPr lang="en-US" altLang="zh-CN" sz="2000" kern="100" dirty="0" smtClean="0">
                 <a:solidFill>
                   <a:srgbClr val="231F20"/>
                 </a:solidFill>
@@ -20721,14 +22066,14 @@
               <a:t>500</a:t>
             </a:r>
             <a:r>
-              <a:rPr lang="zh-CN" altLang="en-US" sz="2000" kern="100" dirty="0">
+              <a:rPr lang="zh-CN" altLang="en-US" sz="2000" kern="100" dirty="0" smtClean="0">
                 <a:solidFill>
                   <a:srgbClr val="231F20"/>
                 </a:solidFill>
                 <a:latin typeface="+mn-ea"/>
                 <a:cs typeface="Times New Roman" panose="02020603050405020304" pitchFamily="18" charset="0"/>
               </a:rPr>
-              <a:t>像素 </a:t>
+              <a:t>万像素 </a:t>
             </a:r>
             <a:r>
               <a:rPr lang="en-US" altLang="zh-CN" sz="2000" kern="100" dirty="0">
@@ -20817,129 +22162,6 @@
     <p:extLst>
       <p:ext uri="{BB962C8B-B14F-4D97-AF65-F5344CB8AC3E}">
         <p14:creationId xmlns:p14="http://schemas.microsoft.com/office/powerpoint/2010/main" val="3515772303"/>
-      </p:ext>
-    </p:extLst>
-  </p:cSld>
-  <p:clrMapOvr>
-    <a:masterClrMapping/>
-  </p:clrMapOvr>
-  <p:timing>
-    <p:tnLst>
-      <p:par>
-        <p:cTn id="1" dur="indefinite" restart="never" nodeType="tmRoot"/>
-      </p:par>
-    </p:tnLst>
-  </p:timing>
-</p:sld>
-</file>
-
-<file path=ppt/slides/slide9.xml><?xml version="1.0" encoding="utf-8"?>
-<p:sld xmlns:a="http://schemas.openxmlformats.org/drawingml/2006/main" xmlns:r="http://schemas.openxmlformats.org/officeDocument/2006/relationships" xmlns:p="http://schemas.openxmlformats.org/presentationml/2006/main">
-  <p:cSld>
-    <p:spTree>
-      <p:nvGrpSpPr>
-        <p:cNvPr id="1" name=""/>
-        <p:cNvGrpSpPr/>
-        <p:nvPr/>
-      </p:nvGrpSpPr>
-      <p:grpSpPr>
-        <a:xfrm>
-          <a:off x="0" y="0"/>
-          <a:ext cx="0" cy="0"/>
-          <a:chOff x="0" y="0"/>
-          <a:chExt cx="0" cy="0"/>
-        </a:xfrm>
-      </p:grpSpPr>
-      <p:sp>
-        <p:nvSpPr>
-          <p:cNvPr id="2" name="标题 1"/>
-          <p:cNvSpPr>
-            <a:spLocks noGrp="1"/>
-          </p:cNvSpPr>
-          <p:nvPr>
-            <p:ph type="title"/>
-          </p:nvPr>
-        </p:nvSpPr>
-        <p:spPr>
-          <a:xfrm>
-            <a:off x="639848" y="266474"/>
-            <a:ext cx="5805776" cy="536574"/>
-          </a:xfrm>
-        </p:spPr>
-        <p:txBody>
-          <a:bodyPr/>
-          <a:lstStyle/>
-          <a:p>
-            <a:r>
-              <a:rPr lang="zh-CN" altLang="en-US" sz="3200" dirty="0" smtClean="0"/>
-              <a:t>视觉检测的硬件结构</a:t>
-            </a:r>
-            <a:endParaRPr lang="zh-CN" altLang="en-US" sz="3200" dirty="0"/>
-          </a:p>
-        </p:txBody>
-      </p:sp>
-      <p:pic>
-        <p:nvPicPr>
-          <p:cNvPr id="4" name="图片 3"/>
-          <p:cNvPicPr>
-            <a:picLocks noChangeAspect="1"/>
-          </p:cNvPicPr>
-          <p:nvPr/>
-        </p:nvPicPr>
-        <p:blipFill rotWithShape="1">
-          <a:blip r:embed="rId2">
-            <a:extLst>
-              <a:ext uri="{28A0092B-C50C-407E-A947-70E740481C1C}">
-                <a14:useLocalDpi xmlns:a14="http://schemas.microsoft.com/office/drawing/2010/main" val="0"/>
-              </a:ext>
-            </a:extLst>
-          </a:blip>
-          <a:srcRect l="12692" r="21498"/>
-          <a:stretch/>
-        </p:blipFill>
-        <p:spPr>
-          <a:xfrm>
-            <a:off x="1228165" y="1326776"/>
-            <a:ext cx="2743200" cy="5226424"/>
-          </a:xfrm>
-          <a:prstGeom prst="rect">
-            <a:avLst/>
-          </a:prstGeom>
-        </p:spPr>
-      </p:pic>
-      <p:pic>
-        <p:nvPicPr>
-          <p:cNvPr id="5" name="图片 4"/>
-          <p:cNvPicPr>
-            <a:picLocks noChangeAspect="1"/>
-          </p:cNvPicPr>
-          <p:nvPr/>
-        </p:nvPicPr>
-        <p:blipFill rotWithShape="1">
-          <a:blip r:embed="rId3">
-            <a:extLst>
-              <a:ext uri="{28A0092B-C50C-407E-A947-70E740481C1C}">
-                <a14:useLocalDpi xmlns:a14="http://schemas.microsoft.com/office/drawing/2010/main" val="0"/>
-              </a:ext>
-            </a:extLst>
-          </a:blip>
-          <a:srcRect l="18253" t="1472" r="17450"/>
-          <a:stretch/>
-        </p:blipFill>
-        <p:spPr>
-          <a:xfrm>
-            <a:off x="5163671" y="1326776"/>
-            <a:ext cx="2384612" cy="5226424"/>
-          </a:xfrm>
-          <a:prstGeom prst="rect">
-            <a:avLst/>
-          </a:prstGeom>
-        </p:spPr>
-      </p:pic>
-    </p:spTree>
-    <p:extLst>
-      <p:ext uri="{BB962C8B-B14F-4D97-AF65-F5344CB8AC3E}">
-        <p14:creationId xmlns:p14="http://schemas.microsoft.com/office/powerpoint/2010/main" val="502781710"/>
       </p:ext>
     </p:extLst>
   </p:cSld>
